--- a/Practical Inversion Of Control.pptx
+++ b/Practical Inversion Of Control.pptx
@@ -215,7 +215,7 @@
             <a:fld id="{68C2200B-4DF5-4B43-97DF-553A509DFD1B}" type="datetimeFigureOut">
               <a:rPr lang="en-US" smtClean="0"/>
               <a:pPr/>
-              <a:t>2/9/2009</a:t>
+              <a:t>5/29/2009</a:t>
             </a:fld>
             <a:endParaRPr lang="en-US"/>
           </a:p>
@@ -554,11 +554,7 @@
             </a:r>
             <a:r>
               <a:rPr lang="en-US" baseline="0" dirty="0" smtClean="0"/>
-              <a:t> </a:t>
-            </a:r>
-            <a:r>
-              <a:rPr lang="en-US" baseline="0" dirty="0" smtClean="0"/>
-              <a:t>I am giving this talk</a:t>
+              <a:t> I am giving this talk</a:t>
             </a:r>
           </a:p>
         </p:txBody>
@@ -643,13 +639,36 @@
           <a:p>
             <a:r>
               <a:rPr lang="en-US" dirty="0" smtClean="0"/>
-              <a:t>You</a:t>
+              <a:t>Imagine not worrying about the details of </a:t>
+            </a:r>
+            <a:r>
+              <a:rPr lang="en-US" dirty="0" err="1" smtClean="0"/>
+              <a:t>EmailSender</a:t>
             </a:r>
             <a:r>
               <a:rPr lang="en-US" baseline="0" dirty="0" smtClean="0"/>
-              <a:t> just worry about the concern you are working with.</a:t>
-            </a:r>
-            <a:endParaRPr lang="en-US" dirty="0"/>
+              <a:t> when you are writing </a:t>
+            </a:r>
+            <a:r>
+              <a:rPr lang="en-US" baseline="0" dirty="0" err="1" smtClean="0"/>
+              <a:t>WorkflowStepper</a:t>
+            </a:r>
+            <a:r>
+              <a:rPr lang="en-US" baseline="0" dirty="0"/>
+              <a:t> </a:t>
+            </a:r>
+            <a:r>
+              <a:rPr lang="en-US" baseline="0" dirty="0" smtClean="0"/>
+              <a:t>or </a:t>
+            </a:r>
+            <a:r>
+              <a:rPr lang="en-US" baseline="0" dirty="0" err="1" smtClean="0"/>
+              <a:t>AlertRegistry</a:t>
+            </a:r>
+            <a:r>
+              <a:rPr lang="en-US" baseline="0" dirty="0" smtClean="0"/>
+              <a:t>…</a:t>
+            </a:r>
           </a:p>
         </p:txBody>
       </p:sp>
@@ -671,7 +690,7 @@
             <a:fld id="{F437F1BE-5EC6-4322-A622-CE658C80A5A4}" type="slidenum">
               <a:rPr lang="en-US" smtClean="0"/>
               <a:pPr/>
-              <a:t>16</a:t>
+              <a:t>15</a:t>
             </a:fld>
             <a:endParaRPr lang="en-US"/>
           </a:p>
@@ -732,19 +751,12 @@
           <a:lstStyle/>
           <a:p>
             <a:r>
-              <a:rPr lang="en-US" sz="1200" b="0" i="0" kern="1200" dirty="0" smtClean="0">
-                <a:solidFill>
-                  <a:schemeClr val="tx1"/>
-                </a:solidFill>
-                <a:latin typeface="+mn-lt"/>
-                <a:ea typeface="+mn-ea"/>
-                <a:cs typeface="+mn-cs"/>
-              </a:rPr>
-              <a:t>Imagine this whole graph (tree) of objects and dependencies gets wired up at RUN TIME, so that when you do this:</a:t>
-            </a:r>
-            <a:r>
               <a:rPr lang="en-US" dirty="0" smtClean="0"/>
-              <a:t> </a:t>
+              <a:t>You</a:t>
+            </a:r>
+            <a:r>
+              <a:rPr lang="en-US" baseline="0" dirty="0" smtClean="0"/>
+              <a:t> just worry about the concern you are working with.</a:t>
             </a:r>
             <a:endParaRPr lang="en-US" dirty="0"/>
           </a:p>
@@ -768,7 +780,7 @@
             <a:fld id="{F437F1BE-5EC6-4322-A622-CE658C80A5A4}" type="slidenum">
               <a:rPr lang="en-US" smtClean="0"/>
               <a:pPr/>
-              <a:t>17</a:t>
+              <a:t>16</a:t>
             </a:fld>
             <a:endParaRPr lang="en-US"/>
           </a:p>
@@ -829,10 +841,6 @@
           <a:lstStyle/>
           <a:p>
             <a:r>
-              <a:rPr lang="en-US" dirty="0" smtClean="0"/>
-              <a:t>.. </a:t>
-            </a:r>
-            <a:r>
               <a:rPr lang="en-US" sz="1200" b="0" i="0" kern="1200" dirty="0" smtClean="0">
                 <a:solidFill>
                   <a:schemeClr val="tx1"/>
@@ -841,44 +849,12 @@
                 <a:ea typeface="+mn-ea"/>
                 <a:cs typeface="+mn-cs"/>
               </a:rPr>
-              <a:t>you get a real deal </a:t>
-            </a:r>
-            <a:r>
-              <a:rPr lang="en-US" sz="1200" b="0" i="0" kern="1200" dirty="0" err="1" smtClean="0">
-                <a:solidFill>
-                  <a:schemeClr val="tx1"/>
-                </a:solidFill>
-                <a:latin typeface="+mn-lt"/>
-                <a:ea typeface="+mn-ea"/>
-                <a:cs typeface="+mn-cs"/>
-              </a:rPr>
-              <a:t>WorkflowStepper</a:t>
-            </a:r>
-            <a:r>
-              <a:rPr lang="en-US" sz="1200" b="0" i="0" kern="1200" dirty="0" smtClean="0">
-                <a:solidFill>
-                  <a:schemeClr val="tx1"/>
-                </a:solidFill>
-                <a:latin typeface="+mn-lt"/>
-                <a:ea typeface="+mn-ea"/>
-                <a:cs typeface="+mn-cs"/>
-              </a:rPr>
-              <a:t> with all the dependencies automatically filled in where you need them.</a:t>
+              <a:t>Imagine this whole graph (tree) of objects and dependencies gets wired up at RUN TIME, so that when you do this:</a:t>
             </a:r>
             <a:r>
               <a:rPr lang="en-US" dirty="0" smtClean="0"/>
               <a:t> </a:t>
             </a:r>
-            <a:endParaRPr lang="en-US" dirty="0" smtClean="0"/>
-          </a:p>
-          <a:p>
-            <a:endParaRPr lang="en-US" baseline="0" dirty="0" smtClean="0"/>
-          </a:p>
-          <a:p>
-            <a:r>
-              <a:rPr lang="en-US" baseline="0" dirty="0" smtClean="0"/>
-              <a:t>Service Locator pattern</a:t>
-            </a:r>
             <a:endParaRPr lang="en-US" dirty="0"/>
           </a:p>
         </p:txBody>
@@ -901,7 +877,7 @@
             <a:fld id="{F437F1BE-5EC6-4322-A622-CE658C80A5A4}" type="slidenum">
               <a:rPr lang="en-US" smtClean="0"/>
               <a:pPr/>
-              <a:t>18</a:t>
+              <a:t>17</a:t>
             </a:fld>
             <a:endParaRPr lang="en-US"/>
           </a:p>
@@ -963,24 +939,55 @@
           <a:p>
             <a:r>
               <a:rPr lang="en-US" dirty="0" smtClean="0"/>
-              <a:t>The red arrow is the entry point</a:t>
-            </a:r>
-          </a:p>
-          <a:p>
+              <a:t>.. </a:t>
+            </a:r>
+            <a:r>
+              <a:rPr lang="en-US" sz="1200" b="0" i="0" kern="1200" dirty="0" smtClean="0">
+                <a:solidFill>
+                  <a:schemeClr val="tx1"/>
+                </a:solidFill>
+                <a:latin typeface="+mn-lt"/>
+                <a:ea typeface="+mn-ea"/>
+                <a:cs typeface="+mn-cs"/>
+              </a:rPr>
+              <a:t>you get a real deal </a:t>
+            </a:r>
+            <a:r>
+              <a:rPr lang="en-US" sz="1200" b="0" i="0" kern="1200" dirty="0" err="1" smtClean="0">
+                <a:solidFill>
+                  <a:schemeClr val="tx1"/>
+                </a:solidFill>
+                <a:latin typeface="+mn-lt"/>
+                <a:ea typeface="+mn-ea"/>
+                <a:cs typeface="+mn-cs"/>
+              </a:rPr>
+              <a:t>WorkflowStepper</a:t>
+            </a:r>
+            <a:r>
+              <a:rPr lang="en-US" sz="1200" b="0" i="0" kern="1200" dirty="0" smtClean="0">
+                <a:solidFill>
+                  <a:schemeClr val="tx1"/>
+                </a:solidFill>
+                <a:latin typeface="+mn-lt"/>
+                <a:ea typeface="+mn-ea"/>
+                <a:cs typeface="+mn-cs"/>
+              </a:rPr>
+              <a:t> with all the dependencies automatically filled in where you need them.</a:t>
+            </a:r>
             <a:r>
               <a:rPr lang="en-US" dirty="0" smtClean="0"/>
-              <a:t>The components</a:t>
-            </a:r>
+              <a:t> </a:t>
+            </a:r>
+          </a:p>
+          <a:p>
+            <a:endParaRPr lang="en-US" baseline="0" dirty="0" smtClean="0"/>
+          </a:p>
+          <a:p>
             <a:r>
               <a:rPr lang="en-US" baseline="0" dirty="0" smtClean="0"/>
-              <a:t> live inside the IOC tool</a:t>
-            </a:r>
-          </a:p>
-          <a:p>
-            <a:r>
-              <a:rPr lang="en-US" baseline="0" dirty="0" smtClean="0"/>
-              <a:t>The IOC tool manages the application</a:t>
-            </a:r>
+              <a:t>Service Locator pattern</a:t>
+            </a:r>
+            <a:endParaRPr lang="en-US" dirty="0"/>
           </a:p>
         </p:txBody>
       </p:sp>
@@ -1002,7 +1009,7 @@
             <a:fld id="{F437F1BE-5EC6-4322-A622-CE658C80A5A4}" type="slidenum">
               <a:rPr lang="en-US" smtClean="0"/>
               <a:pPr/>
-              <a:t>19</a:t>
+              <a:t>18</a:t>
             </a:fld>
             <a:endParaRPr lang="en-US"/>
           </a:p>
@@ -1064,9 +1071,31 @@
           <a:p>
             <a:r>
               <a:rPr lang="en-US" dirty="0" smtClean="0"/>
-              <a:t>Finish demo here.</a:t>
-            </a:r>
-            <a:endParaRPr lang="en-US" dirty="0"/>
+              <a:t>The red arrow is the entry point</a:t>
+            </a:r>
+          </a:p>
+          <a:p>
+            <a:r>
+              <a:rPr lang="en-US" dirty="0" smtClean="0"/>
+              <a:t>The components</a:t>
+            </a:r>
+            <a:r>
+              <a:rPr lang="en-US" baseline="0" dirty="0" smtClean="0"/>
+              <a:t> </a:t>
+            </a:r>
+            <a:r>
+              <a:rPr lang="en-US" baseline="0" dirty="0" smtClean="0"/>
+              <a:t>live inside the IOC tool</a:t>
+            </a:r>
+          </a:p>
+          <a:p>
+            <a:endParaRPr lang="en-US" baseline="0" dirty="0" smtClean="0"/>
+          </a:p>
+          <a:p>
+            <a:r>
+              <a:rPr lang="en-US" baseline="0" dirty="0" smtClean="0"/>
+              <a:t>The IOC tool manages the application</a:t>
+            </a:r>
           </a:p>
         </p:txBody>
       </p:sp>
@@ -1088,7 +1117,7 @@
             <a:fld id="{F437F1BE-5EC6-4322-A622-CE658C80A5A4}" type="slidenum">
               <a:rPr lang="en-US" smtClean="0"/>
               <a:pPr/>
-              <a:t>20</a:t>
+              <a:t>19</a:t>
             </a:fld>
             <a:endParaRPr lang="en-US"/>
           </a:p>
@@ -1150,6 +1179,92 @@
           <a:p>
             <a:r>
               <a:rPr lang="en-US" dirty="0" smtClean="0"/>
+              <a:t>Finish demo here.</a:t>
+            </a:r>
+            <a:endParaRPr lang="en-US" dirty="0"/>
+          </a:p>
+        </p:txBody>
+      </p:sp>
+      <p:sp>
+        <p:nvSpPr>
+          <p:cNvPr id="4" name="Slide Number Placeholder 3"/>
+          <p:cNvSpPr>
+            <a:spLocks noGrp="1"/>
+          </p:cNvSpPr>
+          <p:nvPr>
+            <p:ph type="sldNum" sz="quarter" idx="10"/>
+          </p:nvPr>
+        </p:nvSpPr>
+        <p:spPr/>
+        <p:txBody>
+          <a:bodyPr/>
+          <a:lstStyle/>
+          <a:p>
+            <a:fld id="{F437F1BE-5EC6-4322-A622-CE658C80A5A4}" type="slidenum">
+              <a:rPr lang="en-US" smtClean="0"/>
+              <a:pPr/>
+              <a:t>20</a:t>
+            </a:fld>
+            <a:endParaRPr lang="en-US"/>
+          </a:p>
+        </p:txBody>
+      </p:sp>
+    </p:spTree>
+  </p:cSld>
+  <p:clrMapOvr>
+    <a:masterClrMapping/>
+  </p:clrMapOvr>
+</p:notes>
+</file>
+
+<file path=ppt/notesSlides/notesSlide16.xml><?xml version="1.0" encoding="utf-8"?>
+<p:notes xmlns:a="http://schemas.openxmlformats.org/drawingml/2006/main" xmlns:r="http://schemas.openxmlformats.org/officeDocument/2006/relationships" xmlns:p="http://schemas.openxmlformats.org/presentationml/2006/main">
+  <p:cSld>
+    <p:spTree>
+      <p:nvGrpSpPr>
+        <p:cNvPr id="1" name=""/>
+        <p:cNvGrpSpPr/>
+        <p:nvPr/>
+      </p:nvGrpSpPr>
+      <p:grpSpPr>
+        <a:xfrm>
+          <a:off x="0" y="0"/>
+          <a:ext cx="0" cy="0"/>
+          <a:chOff x="0" y="0"/>
+          <a:chExt cx="0" cy="0"/>
+        </a:xfrm>
+      </p:grpSpPr>
+      <p:sp>
+        <p:nvSpPr>
+          <p:cNvPr id="2" name="Slide Image Placeholder 1"/>
+          <p:cNvSpPr>
+            <a:spLocks noGrp="1" noRot="1" noChangeAspect="1"/>
+          </p:cNvSpPr>
+          <p:nvPr>
+            <p:ph type="sldImg"/>
+          </p:nvPr>
+        </p:nvSpPr>
+        <p:spPr/>
+      </p:sp>
+      <p:sp>
+        <p:nvSpPr>
+          <p:cNvPr id="3" name="Notes Placeholder 2"/>
+          <p:cNvSpPr>
+            <a:spLocks noGrp="1"/>
+          </p:cNvSpPr>
+          <p:nvPr>
+            <p:ph type="body" idx="1"/>
+          </p:nvPr>
+        </p:nvSpPr>
+        <p:spPr/>
+        <p:txBody>
+          <a:bodyPr>
+            <a:normAutofit/>
+          </a:bodyPr>
+          <a:lstStyle/>
+          <a:p>
+            <a:r>
+              <a:rPr lang="en-US" dirty="0" smtClean="0"/>
               <a:t>Makes it easy to isolate classes under test and to test interactions between classes by allowing the tester to provide a special implementation.</a:t>
             </a:r>
           </a:p>
@@ -1270,11 +1385,7 @@
           <a:p>
             <a:r>
               <a:rPr lang="en-US" baseline="0" dirty="0" smtClean="0"/>
-              <a:t>Principles vs. </a:t>
-            </a:r>
-            <a:r>
-              <a:rPr lang="en-US" baseline="0" dirty="0" smtClean="0"/>
-              <a:t>practicalities</a:t>
+              <a:t>Principles vs. practicalities</a:t>
             </a:r>
           </a:p>
           <a:p>
@@ -1282,7 +1393,6 @@
               <a:rPr lang="en-US" baseline="0" dirty="0" smtClean="0"/>
               <a:t>* Showing some of the ways we use it rather than specific configurations *</a:t>
             </a:r>
-            <a:endParaRPr lang="en-US" baseline="0" dirty="0" smtClean="0"/>
           </a:p>
         </p:txBody>
       </p:sp>
@@ -1379,24 +1489,16 @@
           <a:p>
             <a:r>
               <a:rPr lang="en-US" baseline="0" dirty="0" smtClean="0"/>
-              <a:t>Delivers objects with pre-built and pre-wired dependencies right in there.  An entire object graph created via configuration and reflection rather than the new operator</a:t>
-            </a:r>
+              <a:t>Delivers objects with pre-built and pre-wired dependencies right in there.  An entire object graph created via configuration and reflection rather than the new operator.</a:t>
+            </a:r>
+          </a:p>
+          <a:p>
+            <a:endParaRPr lang="en-US" baseline="0" dirty="0" smtClean="0"/>
+          </a:p>
+          <a:p>
             <a:r>
               <a:rPr lang="en-US" baseline="0" dirty="0" smtClean="0"/>
-              <a:t>.</a:t>
-            </a:r>
-          </a:p>
-          <a:p>
-            <a:endParaRPr lang="en-US" baseline="0" dirty="0" smtClean="0"/>
-          </a:p>
-          <a:p>
-            <a:r>
-              <a:rPr lang="en-US" baseline="0" dirty="0" smtClean="0"/>
-              <a:t>Imagine you have an email sending class.. Let’s </a:t>
-            </a:r>
-            <a:r>
-              <a:rPr lang="en-US" baseline="0" smtClean="0"/>
-              <a:t>call it.. </a:t>
+              <a:t>Imagine you have an email sending class.. Let’s call it.. </a:t>
             </a:r>
             <a:endParaRPr lang="en-US" dirty="0" smtClean="0"/>
           </a:p>
@@ -1482,11 +1584,11 @@
           <a:p>
             <a:r>
               <a:rPr lang="en-US" dirty="0" smtClean="0"/>
-              <a:t>Between</a:t>
+              <a:t>But this</a:t>
             </a:r>
             <a:r>
               <a:rPr lang="en-US" baseline="0" dirty="0" smtClean="0"/>
-              <a:t> objects, but also between the other dependencies of those objects.  Think UI vs. Data access!</a:t>
+              <a:t> – the use of the ‘new’ keyword – creates a tight coupling that is hard to change.</a:t>
             </a:r>
             <a:endParaRPr lang="en-US" dirty="0"/>
           </a:p>
@@ -1510,7 +1612,7 @@
             <a:fld id="{F437F1BE-5EC6-4322-A622-CE658C80A5A4}" type="slidenum">
               <a:rPr lang="en-US" smtClean="0"/>
               <a:pPr/>
-              <a:t>9</a:t>
+              <a:t>7</a:t>
             </a:fld>
             <a:endParaRPr lang="en-US"/>
           </a:p>
@@ -1572,11 +1674,11 @@
           <a:p>
             <a:r>
               <a:rPr lang="en-US" dirty="0" smtClean="0"/>
-              <a:t>Sometimes</a:t>
+              <a:t>Between</a:t>
             </a:r>
             <a:r>
               <a:rPr lang="en-US" baseline="0" dirty="0" smtClean="0"/>
-              <a:t> it’s difficult or impossible to instantiate a class.</a:t>
+              <a:t> objects, but also between the other dependencies of those objects.  Think UI vs. Data access!</a:t>
             </a:r>
             <a:endParaRPr lang="en-US" dirty="0"/>
           </a:p>
@@ -1600,7 +1702,7 @@
             <a:fld id="{F437F1BE-5EC6-4322-A622-CE658C80A5A4}" type="slidenum">
               <a:rPr lang="en-US" smtClean="0"/>
               <a:pPr/>
-              <a:t>10</a:t>
+              <a:t>9</a:t>
             </a:fld>
             <a:endParaRPr lang="en-US"/>
           </a:p>
@@ -1662,7 +1764,11 @@
           <a:p>
             <a:r>
               <a:rPr lang="en-US" dirty="0" smtClean="0"/>
-              <a:t>This is dependency injection</a:t>
+              <a:t>Sometimes</a:t>
+            </a:r>
+            <a:r>
+              <a:rPr lang="en-US" baseline="0" dirty="0" smtClean="0"/>
+              <a:t> it’s difficult or impossible to instantiate a class.</a:t>
             </a:r>
             <a:endParaRPr lang="en-US" dirty="0"/>
           </a:p>
@@ -1686,7 +1792,7 @@
             <a:fld id="{F437F1BE-5EC6-4322-A622-CE658C80A5A4}" type="slidenum">
               <a:rPr lang="en-US" smtClean="0"/>
               <a:pPr/>
-              <a:t>11</a:t>
+              <a:t>10</a:t>
             </a:fld>
             <a:endParaRPr lang="en-US"/>
           </a:p>
@@ -1748,33 +1854,7 @@
           <a:p>
             <a:r>
               <a:rPr lang="en-US" dirty="0" smtClean="0"/>
-              <a:t>Here is dependency</a:t>
-            </a:r>
-            <a:r>
-              <a:rPr lang="en-US" baseline="0" dirty="0" smtClean="0"/>
-              <a:t> injection in action. </a:t>
-            </a:r>
-          </a:p>
-          <a:p>
-            <a:endParaRPr lang="en-US" baseline="0" dirty="0" smtClean="0"/>
-          </a:p>
-          <a:p>
-            <a:r>
-              <a:rPr lang="en-US" baseline="0" dirty="0" smtClean="0">
-                <a:solidFill>
-                  <a:srgbClr val="FF0000"/>
-                </a:solidFill>
-              </a:rPr>
-              <a:t>Demo without service locator.</a:t>
-            </a:r>
-          </a:p>
-          <a:p>
-            <a:endParaRPr lang="en-US" baseline="0" dirty="0" smtClean="0"/>
-          </a:p>
-          <a:p>
-            <a:r>
-              <a:rPr lang="en-US" baseline="0" dirty="0" smtClean="0"/>
-              <a:t>But imagine a number of classes, a number of dependencies, a million components, each with one job, one responsibility, one easily-tested role to play, all composed together to form an application:</a:t>
+              <a:t>This is dependency injection</a:t>
             </a:r>
             <a:endParaRPr lang="en-US" dirty="0"/>
           </a:p>
@@ -1798,7 +1878,7 @@
             <a:fld id="{F437F1BE-5EC6-4322-A622-CE658C80A5A4}" type="slidenum">
               <a:rPr lang="en-US" smtClean="0"/>
               <a:pPr/>
-              <a:t>13</a:t>
+              <a:t>11</a:t>
             </a:fld>
             <a:endParaRPr lang="en-US"/>
           </a:p>
@@ -1860,11 +1940,11 @@
           <a:p>
             <a:r>
               <a:rPr lang="en-US" dirty="0" smtClean="0"/>
-              <a:t>If a</a:t>
+              <a:t>Here is dependency</a:t>
             </a:r>
             <a:r>
               <a:rPr lang="en-US" baseline="0" dirty="0" smtClean="0"/>
-              <a:t> service must take a dependency, the clearest way is through a constructor function parameter.  Imagine an entire application composed of small, focused classes.</a:t>
+              <a:t> injection in action. </a:t>
             </a:r>
           </a:p>
           <a:p>
@@ -1872,8 +1952,21 @@
           </a:p>
           <a:p>
             <a:r>
+              <a:rPr lang="en-US" baseline="0" dirty="0" smtClean="0">
+                <a:solidFill>
+                  <a:srgbClr val="FF0000"/>
+                </a:solidFill>
+              </a:rPr>
+              <a:t>Demo without service locator.</a:t>
+            </a:r>
+          </a:p>
+          <a:p>
+            <a:endParaRPr lang="en-US" baseline="0" dirty="0" smtClean="0"/>
+          </a:p>
+          <a:p>
+            <a:r>
               <a:rPr lang="en-US" baseline="0" dirty="0" smtClean="0"/>
-              <a:t>This is cool, because you can write classes that just do one thing.  Sure they may need another class, but the interface provides the contract, but they are not responsible for choosing an implementation or instantiating the dependency.  THIS is inversion of control.</a:t>
+              <a:t>But imagine a number of classes, a number of dependencies, a million components, each with one job, one responsibility, one easily-tested role to play, all composed together to form an application:</a:t>
             </a:r>
             <a:endParaRPr lang="en-US" dirty="0"/>
           </a:p>
@@ -1897,7 +1990,7 @@
             <a:fld id="{F437F1BE-5EC6-4322-A622-CE658C80A5A4}" type="slidenum">
               <a:rPr lang="en-US" smtClean="0"/>
               <a:pPr/>
-              <a:t>14</a:t>
+              <a:t>13</a:t>
             </a:fld>
             <a:endParaRPr lang="en-US"/>
           </a:p>
@@ -1959,36 +2052,22 @@
           <a:p>
             <a:r>
               <a:rPr lang="en-US" dirty="0" smtClean="0"/>
-              <a:t>Imagine not worrying about the details of </a:t>
-            </a:r>
-            <a:r>
-              <a:rPr lang="en-US" dirty="0" err="1" smtClean="0"/>
-              <a:t>EmailSender</a:t>
+              <a:t>If a</a:t>
             </a:r>
             <a:r>
               <a:rPr lang="en-US" baseline="0" dirty="0" smtClean="0"/>
-              <a:t> when you are writing </a:t>
-            </a:r>
-            <a:r>
-              <a:rPr lang="en-US" baseline="0" dirty="0" err="1" smtClean="0"/>
-              <a:t>WorkflowStepper</a:t>
-            </a:r>
-            <a:r>
-              <a:rPr lang="en-US" baseline="0" dirty="0"/>
-              <a:t> </a:t>
-            </a:r>
+              <a:t> service must take a dependency, the clearest way is through a constructor function parameter.  Imagine an entire application composed of small, focused classes.</a:t>
+            </a:r>
+          </a:p>
+          <a:p>
+            <a:endParaRPr lang="en-US" baseline="0" dirty="0" smtClean="0"/>
+          </a:p>
+          <a:p>
             <a:r>
               <a:rPr lang="en-US" baseline="0" dirty="0" smtClean="0"/>
-              <a:t>or </a:t>
-            </a:r>
-            <a:r>
-              <a:rPr lang="en-US" baseline="0" dirty="0" err="1" smtClean="0"/>
-              <a:t>AlertRegistry</a:t>
-            </a:r>
-            <a:r>
-              <a:rPr lang="en-US" baseline="0" dirty="0" smtClean="0"/>
-              <a:t>…</a:t>
-            </a:r>
+              <a:t>This is cool, because you can write classes that just do one thing.  Sure they may need another class, but the interface provides the contract, but they are not responsible for choosing an implementation or instantiating the dependency.  THIS is inversion of control.</a:t>
+            </a:r>
+            <a:endParaRPr lang="en-US" dirty="0"/>
           </a:p>
         </p:txBody>
       </p:sp>
@@ -2010,7 +2089,7 @@
             <a:fld id="{F437F1BE-5EC6-4322-A622-CE658C80A5A4}" type="slidenum">
               <a:rPr lang="en-US" smtClean="0"/>
               <a:pPr/>
-              <a:t>15</a:t>
+              <a:t>14</a:t>
             </a:fld>
             <a:endParaRPr lang="en-US"/>
           </a:p>
@@ -2206,7 +2285,7 @@
             <a:fld id="{906B3CBC-F280-4D94-89D0-81AF5A06EAD7}" type="datetimeFigureOut">
               <a:rPr lang="en-US" smtClean="0"/>
               <a:pPr/>
-              <a:t>2/9/2009</a:t>
+              <a:t>5/29/2009</a:t>
             </a:fld>
             <a:endParaRPr lang="en-US"/>
           </a:p>
@@ -2373,7 +2452,7 @@
             <a:fld id="{906B3CBC-F280-4D94-89D0-81AF5A06EAD7}" type="datetimeFigureOut">
               <a:rPr lang="en-US" smtClean="0"/>
               <a:pPr/>
-              <a:t>2/9/2009</a:t>
+              <a:t>5/29/2009</a:t>
             </a:fld>
             <a:endParaRPr lang="en-US"/>
           </a:p>
@@ -2550,7 +2629,7 @@
             <a:fld id="{906B3CBC-F280-4D94-89D0-81AF5A06EAD7}" type="datetimeFigureOut">
               <a:rPr lang="en-US" smtClean="0"/>
               <a:pPr/>
-              <a:t>2/9/2009</a:t>
+              <a:t>5/29/2009</a:t>
             </a:fld>
             <a:endParaRPr lang="en-US"/>
           </a:p>
@@ -2717,7 +2796,7 @@
             <a:fld id="{906B3CBC-F280-4D94-89D0-81AF5A06EAD7}" type="datetimeFigureOut">
               <a:rPr lang="en-US" smtClean="0"/>
               <a:pPr/>
-              <a:t>2/9/2009</a:t>
+              <a:t>5/29/2009</a:t>
             </a:fld>
             <a:endParaRPr lang="en-US"/>
           </a:p>
@@ -2960,7 +3039,7 @@
             <a:fld id="{906B3CBC-F280-4D94-89D0-81AF5A06EAD7}" type="datetimeFigureOut">
               <a:rPr lang="en-US" smtClean="0"/>
               <a:pPr/>
-              <a:t>2/9/2009</a:t>
+              <a:t>5/29/2009</a:t>
             </a:fld>
             <a:endParaRPr lang="en-US"/>
           </a:p>
@@ -3245,7 +3324,7 @@
             <a:fld id="{906B3CBC-F280-4D94-89D0-81AF5A06EAD7}" type="datetimeFigureOut">
               <a:rPr lang="en-US" smtClean="0"/>
               <a:pPr/>
-              <a:t>2/9/2009</a:t>
+              <a:t>5/29/2009</a:t>
             </a:fld>
             <a:endParaRPr lang="en-US"/>
           </a:p>
@@ -3664,7 +3743,7 @@
             <a:fld id="{906B3CBC-F280-4D94-89D0-81AF5A06EAD7}" type="datetimeFigureOut">
               <a:rPr lang="en-US" smtClean="0"/>
               <a:pPr/>
-              <a:t>2/9/2009</a:t>
+              <a:t>5/29/2009</a:t>
             </a:fld>
             <a:endParaRPr lang="en-US"/>
           </a:p>
@@ -3779,7 +3858,7 @@
             <a:fld id="{906B3CBC-F280-4D94-89D0-81AF5A06EAD7}" type="datetimeFigureOut">
               <a:rPr lang="en-US" smtClean="0"/>
               <a:pPr/>
-              <a:t>2/9/2009</a:t>
+              <a:t>5/29/2009</a:t>
             </a:fld>
             <a:endParaRPr lang="en-US"/>
           </a:p>
@@ -3871,7 +3950,7 @@
             <a:fld id="{906B3CBC-F280-4D94-89D0-81AF5A06EAD7}" type="datetimeFigureOut">
               <a:rPr lang="en-US" smtClean="0"/>
               <a:pPr/>
-              <a:t>2/9/2009</a:t>
+              <a:t>5/29/2009</a:t>
             </a:fld>
             <a:endParaRPr lang="en-US"/>
           </a:p>
@@ -4145,7 +4224,7 @@
             <a:fld id="{906B3CBC-F280-4D94-89D0-81AF5A06EAD7}" type="datetimeFigureOut">
               <a:rPr lang="en-US" smtClean="0"/>
               <a:pPr/>
-              <a:t>2/9/2009</a:t>
+              <a:t>5/29/2009</a:t>
             </a:fld>
             <a:endParaRPr lang="en-US"/>
           </a:p>
@@ -4395,7 +4474,7 @@
             <a:fld id="{906B3CBC-F280-4D94-89D0-81AF5A06EAD7}" type="datetimeFigureOut">
               <a:rPr lang="en-US" smtClean="0"/>
               <a:pPr/>
-              <a:t>2/9/2009</a:t>
+              <a:t>5/29/2009</a:t>
             </a:fld>
             <a:endParaRPr lang="en-US"/>
           </a:p>
@@ -4605,7 +4684,7 @@
             <a:fld id="{906B3CBC-F280-4D94-89D0-81AF5A06EAD7}" type="datetimeFigureOut">
               <a:rPr lang="en-US" smtClean="0"/>
               <a:pPr/>
-              <a:t>2/9/2009</a:t>
+              <a:t>5/29/2009</a:t>
             </a:fld>
             <a:endParaRPr lang="en-US"/>
           </a:p>
@@ -5239,118 +5318,50 @@
           <a:chExt cx="0" cy="0"/>
         </a:xfrm>
       </p:grpSpPr>
-      <p:sp>
-        <p:nvSpPr>
-          <p:cNvPr id="5" name="Content Placeholder 4"/>
-          <p:cNvSpPr>
-            <a:spLocks noGrp="1"/>
-          </p:cNvSpPr>
-          <p:nvPr>
-            <p:ph sz="half" idx="1"/>
-          </p:nvPr>
-        </p:nvSpPr>
-        <p:spPr>
+      <p:pic>
+        <p:nvPicPr>
+          <p:cNvPr id="1027" name="Picture 3"/>
+          <p:cNvPicPr>
+            <a:picLocks noChangeAspect="1" noChangeArrowheads="1"/>
+          </p:cNvPicPr>
+          <p:nvPr/>
+        </p:nvPicPr>
+        <p:blipFill>
+          <a:blip r:embed="rId2"/>
+          <a:srcRect/>
+          <a:stretch>
+            <a:fillRect/>
+          </a:stretch>
+        </p:blipFill>
+        <p:spPr bwMode="auto">
           <a:xfrm>
-            <a:off x="457200" y="1166019"/>
-            <a:ext cx="4038600" cy="4525963"/>
+            <a:off x="0" y="304800"/>
+            <a:ext cx="9161877" cy="6553200"/>
           </a:xfrm>
+          <a:prstGeom prst="rect">
+            <a:avLst/>
+          </a:prstGeom>
+          <a:noFill/>
+          <a:ln w="9525">
+            <a:noFill/>
+            <a:miter lim="800000"/>
+            <a:headEnd/>
+            <a:tailEnd/>
+          </a:ln>
         </p:spPr>
-        <p:txBody>
-          <a:bodyPr/>
-          <a:lstStyle/>
-          <a:p>
-            <a:r>
-              <a:rPr lang="en-US" u="sng" dirty="0" smtClean="0"/>
-              <a:t>Inversion of Control</a:t>
-            </a:r>
-          </a:p>
-          <a:p>
-            <a:pPr lvl="1">
-              <a:buFont typeface="Arial" pitchFamily="34" charset="0"/>
-              <a:buChar char="•"/>
-            </a:pPr>
-            <a:r>
-              <a:rPr lang="en-US" dirty="0" smtClean="0"/>
-              <a:t>A concept</a:t>
-            </a:r>
-          </a:p>
-          <a:p>
-            <a:pPr lvl="1">
-              <a:buFont typeface="Arial" pitchFamily="34" charset="0"/>
-              <a:buChar char="•"/>
-            </a:pPr>
-            <a:r>
-              <a:rPr lang="en-US" dirty="0" smtClean="0"/>
-              <a:t>Relinquishing the responsibility of managing dependencies.</a:t>
-            </a:r>
-          </a:p>
-          <a:p>
-            <a:endParaRPr lang="en-US" dirty="0"/>
-          </a:p>
-        </p:txBody>
-      </p:sp>
-      <p:sp>
-        <p:nvSpPr>
-          <p:cNvPr id="6" name="Content Placeholder 2"/>
-          <p:cNvSpPr>
-            <a:spLocks noGrp="1"/>
-          </p:cNvSpPr>
-          <p:nvPr>
-            <p:ph sz="half" idx="2"/>
-          </p:nvPr>
-        </p:nvSpPr>
-        <p:spPr>
-          <a:xfrm>
-            <a:off x="4648200" y="1166019"/>
-            <a:ext cx="4038600" cy="4525963"/>
-          </a:xfrm>
-        </p:spPr>
-        <p:txBody>
-          <a:bodyPr/>
-          <a:lstStyle/>
-          <a:p>
-            <a:r>
-              <a:rPr lang="en-US" u="sng" dirty="0" smtClean="0"/>
-              <a:t>Dependency Injection</a:t>
-            </a:r>
-          </a:p>
-          <a:p>
-            <a:pPr lvl="1">
-              <a:buFont typeface="Arial" pitchFamily="34" charset="0"/>
-              <a:buChar char="•"/>
-            </a:pPr>
-            <a:r>
-              <a:rPr lang="en-US" dirty="0" smtClean="0"/>
-              <a:t>A pattern</a:t>
-            </a:r>
-          </a:p>
-          <a:p>
-            <a:pPr lvl="1">
-              <a:buFont typeface="Arial" pitchFamily="34" charset="0"/>
-              <a:buChar char="•"/>
-            </a:pPr>
-            <a:r>
-              <a:rPr lang="en-US" dirty="0" smtClean="0"/>
-              <a:t>Constructor injection</a:t>
-            </a:r>
-          </a:p>
-          <a:p>
-            <a:pPr lvl="1">
-              <a:buFont typeface="Arial" pitchFamily="34" charset="0"/>
-              <a:buChar char="•"/>
-            </a:pPr>
-            <a:r>
-              <a:rPr lang="en-US" dirty="0" smtClean="0"/>
-              <a:t>Property injection</a:t>
-            </a:r>
-          </a:p>
-        </p:txBody>
-      </p:sp>
+      </p:pic>
     </p:spTree>
   </p:cSld>
   <p:clrMapOvr>
     <a:masterClrMapping/>
   </p:clrMapOvr>
+  <p:timing>
+    <p:tnLst>
+      <p:par>
+        <p:cTn id="1" dur="indefinite" restart="never" nodeType="tmRoot"/>
+      </p:par>
+    </p:tnLst>
+  </p:timing>
 </p:sld>
 </file>
 
@@ -6174,7 +6185,15 @@
           <a:p>
             <a:r>
               <a:rPr lang="en-US" dirty="0" smtClean="0"/>
-              <a:t>Don’t use the tool where you don’t need it, in most tests for example.</a:t>
+              <a:t>Don’t use the tool where you don’t need it, in </a:t>
+            </a:r>
+            <a:r>
+              <a:rPr lang="en-US" dirty="0" smtClean="0"/>
+              <a:t>unit tests </a:t>
+            </a:r>
+            <a:r>
+              <a:rPr lang="en-US" dirty="0" smtClean="0"/>
+              <a:t>for example.</a:t>
             </a:r>
           </a:p>
           <a:p>
@@ -6207,7 +6226,11 @@
           <a:p>
             <a:r>
               <a:rPr lang="en-US" dirty="0" smtClean="0"/>
-              <a:t>Avoid “contextual binding”; avoid magic strings; favor convention over configuration.</a:t>
+              <a:t>Avoid magic </a:t>
+            </a:r>
+            <a:r>
+              <a:rPr lang="en-US" dirty="0" smtClean="0"/>
+              <a:t>strings; favor convention over configuration.</a:t>
             </a:r>
           </a:p>
           <a:p>
@@ -6311,13 +6334,11 @@
           <a:p>
             <a:r>
               <a:rPr lang="en-US" dirty="0" smtClean="0"/>
-              <a:t>Martin Fowler</a:t>
-            </a:r>
-          </a:p>
-          <a:p>
+              <a:t>Jeremy </a:t>
+            </a:r>
             <a:r>
               <a:rPr lang="en-US" dirty="0" smtClean="0"/>
-              <a:t>Jeremy Miller</a:t>
+              <a:t>Miller</a:t>
             </a:r>
           </a:p>
           <a:p>
@@ -6333,6 +6354,13 @@
   <p:clrMapOvr>
     <a:masterClrMapping/>
   </p:clrMapOvr>
+  <p:timing>
+    <p:tnLst>
+      <p:par>
+        <p:cTn id="1" dur="indefinite" restart="never" nodeType="tmRoot"/>
+      </p:par>
+    </p:tnLst>
+  </p:timing>
 </p:sld>
 </file>
 
@@ -6391,6 +6419,13 @@
   <p:clrMapOvr>
     <a:masterClrMapping/>
   </p:clrMapOvr>
+  <p:timing>
+    <p:tnLst>
+      <p:par>
+        <p:cTn id="1" dur="indefinite" restart="never" nodeType="tmRoot"/>
+      </p:par>
+    </p:tnLst>
+  </p:timing>
 </p:sld>
 </file>
 
@@ -6629,7 +6664,7 @@
           <p:nvPr/>
         </p:nvPicPr>
         <p:blipFill>
-          <a:blip r:embed="rId2"/>
+          <a:blip r:embed="rId3"/>
           <a:srcRect/>
           <a:stretch>
             <a:fillRect/>

--- a/Practical Inversion Of Control.pptx
+++ b/Practical Inversion Of Control.pptx
@@ -5,7 +5,7 @@
     <p:sldMasterId id="2147483648" r:id="rId1"/>
   </p:sldMasterIdLst>
   <p:notesMasterIdLst>
-    <p:notesMasterId r:id="rId25"/>
+    <p:notesMasterId r:id="rId26"/>
   </p:notesMasterIdLst>
   <p:sldIdLst>
     <p:sldId id="256" r:id="rId2"/>
@@ -31,6 +31,7 @@
     <p:sldId id="277" r:id="rId22"/>
     <p:sldId id="275" r:id="rId23"/>
     <p:sldId id="281" r:id="rId24"/>
+    <p:sldId id="283" r:id="rId25"/>
   </p:sldIdLst>
   <p:sldSz cx="9144000" cy="6858000" type="screen4x3"/>
   <p:notesSz cx="6858000" cy="9144000"/>
@@ -215,7 +216,7 @@
             <a:fld id="{68C2200B-4DF5-4B43-97DF-553A509DFD1B}" type="datetimeFigureOut">
               <a:rPr lang="en-US" smtClean="0"/>
               <a:pPr/>
-              <a:t>5/29/2009</a:t>
+              <a:t>5/30/2009</a:t>
             </a:fld>
             <a:endParaRPr lang="en-US"/>
           </a:p>
@@ -1081,11 +1082,7 @@
             </a:r>
             <a:r>
               <a:rPr lang="en-US" baseline="0" dirty="0" smtClean="0"/>
-              <a:t> </a:t>
-            </a:r>
-            <a:r>
-              <a:rPr lang="en-US" baseline="0" dirty="0" smtClean="0"/>
-              <a:t>live inside the IOC tool</a:t>
+              <a:t> live inside the IOC tool</a:t>
             </a:r>
           </a:p>
           <a:p>
@@ -2285,7 +2282,7 @@
             <a:fld id="{906B3CBC-F280-4D94-89D0-81AF5A06EAD7}" type="datetimeFigureOut">
               <a:rPr lang="en-US" smtClean="0"/>
               <a:pPr/>
-              <a:t>5/29/2009</a:t>
+              <a:t>5/30/2009</a:t>
             </a:fld>
             <a:endParaRPr lang="en-US"/>
           </a:p>
@@ -2452,7 +2449,7 @@
             <a:fld id="{906B3CBC-F280-4D94-89D0-81AF5A06EAD7}" type="datetimeFigureOut">
               <a:rPr lang="en-US" smtClean="0"/>
               <a:pPr/>
-              <a:t>5/29/2009</a:t>
+              <a:t>5/30/2009</a:t>
             </a:fld>
             <a:endParaRPr lang="en-US"/>
           </a:p>
@@ -2629,7 +2626,7 @@
             <a:fld id="{906B3CBC-F280-4D94-89D0-81AF5A06EAD7}" type="datetimeFigureOut">
               <a:rPr lang="en-US" smtClean="0"/>
               <a:pPr/>
-              <a:t>5/29/2009</a:t>
+              <a:t>5/30/2009</a:t>
             </a:fld>
             <a:endParaRPr lang="en-US"/>
           </a:p>
@@ -2796,7 +2793,7 @@
             <a:fld id="{906B3CBC-F280-4D94-89D0-81AF5A06EAD7}" type="datetimeFigureOut">
               <a:rPr lang="en-US" smtClean="0"/>
               <a:pPr/>
-              <a:t>5/29/2009</a:t>
+              <a:t>5/30/2009</a:t>
             </a:fld>
             <a:endParaRPr lang="en-US"/>
           </a:p>
@@ -3039,7 +3036,7 @@
             <a:fld id="{906B3CBC-F280-4D94-89D0-81AF5A06EAD7}" type="datetimeFigureOut">
               <a:rPr lang="en-US" smtClean="0"/>
               <a:pPr/>
-              <a:t>5/29/2009</a:t>
+              <a:t>5/30/2009</a:t>
             </a:fld>
             <a:endParaRPr lang="en-US"/>
           </a:p>
@@ -3324,7 +3321,7 @@
             <a:fld id="{906B3CBC-F280-4D94-89D0-81AF5A06EAD7}" type="datetimeFigureOut">
               <a:rPr lang="en-US" smtClean="0"/>
               <a:pPr/>
-              <a:t>5/29/2009</a:t>
+              <a:t>5/30/2009</a:t>
             </a:fld>
             <a:endParaRPr lang="en-US"/>
           </a:p>
@@ -3743,7 +3740,7 @@
             <a:fld id="{906B3CBC-F280-4D94-89D0-81AF5A06EAD7}" type="datetimeFigureOut">
               <a:rPr lang="en-US" smtClean="0"/>
               <a:pPr/>
-              <a:t>5/29/2009</a:t>
+              <a:t>5/30/2009</a:t>
             </a:fld>
             <a:endParaRPr lang="en-US"/>
           </a:p>
@@ -3858,7 +3855,7 @@
             <a:fld id="{906B3CBC-F280-4D94-89D0-81AF5A06EAD7}" type="datetimeFigureOut">
               <a:rPr lang="en-US" smtClean="0"/>
               <a:pPr/>
-              <a:t>5/29/2009</a:t>
+              <a:t>5/30/2009</a:t>
             </a:fld>
             <a:endParaRPr lang="en-US"/>
           </a:p>
@@ -3950,7 +3947,7 @@
             <a:fld id="{906B3CBC-F280-4D94-89D0-81AF5A06EAD7}" type="datetimeFigureOut">
               <a:rPr lang="en-US" smtClean="0"/>
               <a:pPr/>
-              <a:t>5/29/2009</a:t>
+              <a:t>5/30/2009</a:t>
             </a:fld>
             <a:endParaRPr lang="en-US"/>
           </a:p>
@@ -4224,7 +4221,7 @@
             <a:fld id="{906B3CBC-F280-4D94-89D0-81AF5A06EAD7}" type="datetimeFigureOut">
               <a:rPr lang="en-US" smtClean="0"/>
               <a:pPr/>
-              <a:t>5/29/2009</a:t>
+              <a:t>5/30/2009</a:t>
             </a:fld>
             <a:endParaRPr lang="en-US"/>
           </a:p>
@@ -4474,7 +4471,7 @@
             <a:fld id="{906B3CBC-F280-4D94-89D0-81AF5A06EAD7}" type="datetimeFigureOut">
               <a:rPr lang="en-US" smtClean="0"/>
               <a:pPr/>
-              <a:t>5/29/2009</a:t>
+              <a:t>5/30/2009</a:t>
             </a:fld>
             <a:endParaRPr lang="en-US"/>
           </a:p>
@@ -4684,7 +4681,7 @@
             <a:fld id="{906B3CBC-F280-4D94-89D0-81AF5A06EAD7}" type="datetimeFigureOut">
               <a:rPr lang="en-US" smtClean="0"/>
               <a:pPr/>
-              <a:t>5/29/2009</a:t>
+              <a:t>5/30/2009</a:t>
             </a:fld>
             <a:endParaRPr lang="en-US"/>
           </a:p>
@@ -5115,8 +5112,34 @@
           <a:p>
             <a:r>
               <a:rPr lang="en-US" dirty="0" smtClean="0"/>
-              <a:t>Matt Hinze</a:t>
-            </a:r>
+              <a:t>Matt </a:t>
+            </a:r>
+            <a:r>
+              <a:rPr lang="en-US" dirty="0" smtClean="0"/>
+              <a:t>Hinze</a:t>
+            </a:r>
+            <a:br>
+              <a:rPr lang="en-US" dirty="0" smtClean="0"/>
+            </a:br>
+            <a:r>
+              <a:rPr lang="en-US" dirty="0" smtClean="0"/>
+              <a:t>mhinze@</a:t>
+            </a:r>
+            <a:r>
+              <a:rPr lang="en-US" dirty="0" smtClean="0">
+                <a:solidFill>
+                  <a:srgbClr val="FFFF00"/>
+                </a:solidFill>
+              </a:rPr>
+              <a:t>headspringsystems</a:t>
+            </a:r>
+            <a:r>
+              <a:rPr lang="en-US" dirty="0" smtClean="0"/>
+              <a:t>.com</a:t>
+            </a:r>
+          </a:p>
+          <a:p>
+            <a:endParaRPr lang="en-US" dirty="0" smtClean="0"/>
           </a:p>
         </p:txBody>
       </p:sp>
@@ -6185,15 +6208,7 @@
           <a:p>
             <a:r>
               <a:rPr lang="en-US" dirty="0" smtClean="0"/>
-              <a:t>Don’t use the tool where you don’t need it, in </a:t>
-            </a:r>
-            <a:r>
-              <a:rPr lang="en-US" dirty="0" smtClean="0"/>
-              <a:t>unit tests </a:t>
-            </a:r>
-            <a:r>
-              <a:rPr lang="en-US" dirty="0" smtClean="0"/>
-              <a:t>for example.</a:t>
+              <a:t>Don’t use the tool where you don’t need it, in unit tests for example.</a:t>
             </a:r>
           </a:p>
           <a:p>
@@ -6226,11 +6241,7 @@
           <a:p>
             <a:r>
               <a:rPr lang="en-US" dirty="0" smtClean="0"/>
-              <a:t>Avoid magic </a:t>
-            </a:r>
-            <a:r>
-              <a:rPr lang="en-US" dirty="0" smtClean="0"/>
-              <a:t>strings; favor convention over configuration.</a:t>
+              <a:t>Avoid magic strings; favor convention over configuration.</a:t>
             </a:r>
           </a:p>
           <a:p>
@@ -6334,11 +6345,7 @@
           <a:p>
             <a:r>
               <a:rPr lang="en-US" dirty="0" smtClean="0"/>
-              <a:t>Jeremy </a:t>
-            </a:r>
-            <a:r>
-              <a:rPr lang="en-US" dirty="0" smtClean="0"/>
-              <a:t>Miller</a:t>
+              <a:t>Jeremy Miller</a:t>
             </a:r>
           </a:p>
           <a:p>
@@ -6361,6 +6368,179 @@
       </p:par>
     </p:tnLst>
   </p:timing>
+</p:sld>
+</file>
+
+<file path=ppt/slides/slide24.xml><?xml version="1.0" encoding="utf-8"?>
+<p:sld xmlns:a="http://schemas.openxmlformats.org/drawingml/2006/main" xmlns:r="http://schemas.openxmlformats.org/officeDocument/2006/relationships" xmlns:p="http://schemas.openxmlformats.org/presentationml/2006/main">
+  <p:cSld>
+    <p:bg>
+      <p:bgPr>
+        <a:blipFill dpi="0" rotWithShape="1">
+          <a:blip r:embed="rId2">
+            <a:lum/>
+          </a:blip>
+          <a:srcRect/>
+          <a:stretch>
+            <a:fillRect/>
+          </a:stretch>
+        </a:blipFill>
+        <a:effectLst/>
+      </p:bgPr>
+    </p:bg>
+    <p:spTree>
+      <p:nvGrpSpPr>
+        <p:cNvPr id="1" name=""/>
+        <p:cNvGrpSpPr/>
+        <p:nvPr/>
+      </p:nvGrpSpPr>
+      <p:grpSpPr>
+        <a:xfrm>
+          <a:off x="0" y="0"/>
+          <a:ext cx="0" cy="0"/>
+          <a:chOff x="0" y="0"/>
+          <a:chExt cx="0" cy="0"/>
+        </a:xfrm>
+      </p:grpSpPr>
+      <p:sp>
+        <p:nvSpPr>
+          <p:cNvPr id="2" name="Title 1"/>
+          <p:cNvSpPr>
+            <a:spLocks noGrp="1"/>
+          </p:cNvSpPr>
+          <p:nvPr>
+            <p:ph type="title"/>
+          </p:nvPr>
+        </p:nvSpPr>
+        <p:spPr/>
+        <p:txBody>
+          <a:bodyPr>
+            <a:normAutofit/>
+          </a:bodyPr>
+          <a:lstStyle/>
+          <a:p>
+            <a:r>
+              <a:rPr lang="en-US" sz="6600" dirty="0" smtClean="0">
+                <a:solidFill>
+                  <a:schemeClr val="bg1"/>
+                </a:solidFill>
+              </a:rPr>
+              <a:t>Faster, Better, Stronger</a:t>
+            </a:r>
+            <a:endParaRPr lang="en-US" sz="6600" dirty="0">
+              <a:solidFill>
+                <a:schemeClr val="bg1"/>
+              </a:solidFill>
+            </a:endParaRPr>
+          </a:p>
+        </p:txBody>
+      </p:sp>
+      <p:sp>
+        <p:nvSpPr>
+          <p:cNvPr id="3" name="Content Placeholder 2"/>
+          <p:cNvSpPr>
+            <a:spLocks noGrp="1"/>
+          </p:cNvSpPr>
+          <p:nvPr>
+            <p:ph idx="1"/>
+          </p:nvPr>
+        </p:nvSpPr>
+        <p:spPr>
+          <a:xfrm>
+            <a:off x="457200" y="1905000"/>
+            <a:ext cx="8229600" cy="3124199"/>
+          </a:xfrm>
+        </p:spPr>
+        <p:txBody>
+          <a:bodyPr>
+            <a:normAutofit/>
+          </a:bodyPr>
+          <a:lstStyle/>
+          <a:p>
+            <a:r>
+              <a:rPr lang="en-US" sz="3600" u="sng" dirty="0" smtClean="0">
+                <a:solidFill>
+                  <a:srgbClr val="FFB64B"/>
+                </a:solidFill>
+              </a:rPr>
+              <a:t>http://headspringsystems.com/training</a:t>
+            </a:r>
+          </a:p>
+          <a:p>
+            <a:r>
+              <a:rPr lang="en-US" sz="3600" dirty="0" smtClean="0">
+                <a:solidFill>
+                  <a:srgbClr val="FFB64B"/>
+                </a:solidFill>
+              </a:rPr>
+              <a:t>Next course: June 10-12, 2009 (</a:t>
+            </a:r>
+            <a:r>
+              <a:rPr lang="en-US" sz="3600" dirty="0" smtClean="0">
+                <a:solidFill>
+                  <a:srgbClr val="FFB64B"/>
+                </a:solidFill>
+              </a:rPr>
+              <a:t>W, Th, </a:t>
+            </a:r>
+            <a:r>
+              <a:rPr lang="en-US" sz="3600" dirty="0" smtClean="0">
+                <a:solidFill>
+                  <a:srgbClr val="FFB64B"/>
+                </a:solidFill>
+              </a:rPr>
+              <a:t>F)</a:t>
+            </a:r>
+          </a:p>
+          <a:p>
+            <a:r>
+              <a:rPr lang="en-US" sz="3600" dirty="0" smtClean="0">
+                <a:solidFill>
+                  <a:srgbClr val="FFB64B"/>
+                </a:solidFill>
+              </a:rPr>
+              <a:t>25</a:t>
+            </a:r>
+            <a:r>
+              <a:rPr lang="en-US" sz="3600" dirty="0" smtClean="0">
+                <a:solidFill>
+                  <a:srgbClr val="FFB64B"/>
+                </a:solidFill>
+              </a:rPr>
+              <a:t>% discount: call </a:t>
+            </a:r>
+            <a:r>
+              <a:rPr lang="en-US" sz="3600" dirty="0" smtClean="0">
+                <a:solidFill>
+                  <a:srgbClr val="FFB64B"/>
+                </a:solidFill>
+              </a:rPr>
+              <a:t>512-459-2260 and give Talisha discount code ‘</a:t>
+            </a:r>
+            <a:r>
+              <a:rPr lang="en-US" sz="3600" i="1" dirty="0" smtClean="0">
+                <a:solidFill>
+                  <a:srgbClr val="FFB64B"/>
+                </a:solidFill>
+              </a:rPr>
+              <a:t>Hinze</a:t>
+            </a:r>
+            <a:r>
+              <a:rPr lang="en-US" sz="3600" dirty="0" smtClean="0">
+                <a:solidFill>
+                  <a:srgbClr val="FFB64B"/>
+                </a:solidFill>
+              </a:rPr>
+              <a:t>’</a:t>
+            </a:r>
+          </a:p>
+        </p:txBody>
+      </p:sp>
+    </p:spTree>
+  </p:cSld>
+  <p:clrMapOvr>
+    <a:masterClrMapping/>
+  </p:clrMapOvr>
 </p:sld>
 </file>
 

--- a/Practical Inversion Of Control.pptx
+++ b/Practical Inversion Of Control.pptx
@@ -5,33 +5,32 @@
     <p:sldMasterId id="2147483648" r:id="rId1"/>
   </p:sldMasterIdLst>
   <p:notesMasterIdLst>
-    <p:notesMasterId r:id="rId26"/>
+    <p:notesMasterId r:id="rId25"/>
   </p:notesMasterIdLst>
   <p:sldIdLst>
     <p:sldId id="256" r:id="rId2"/>
-    <p:sldId id="257" r:id="rId3"/>
-    <p:sldId id="280" r:id="rId4"/>
-    <p:sldId id="258" r:id="rId5"/>
-    <p:sldId id="260" r:id="rId6"/>
-    <p:sldId id="261" r:id="rId7"/>
-    <p:sldId id="262" r:id="rId8"/>
-    <p:sldId id="263" r:id="rId9"/>
-    <p:sldId id="264" r:id="rId10"/>
-    <p:sldId id="276" r:id="rId11"/>
-    <p:sldId id="268" r:id="rId12"/>
-    <p:sldId id="282" r:id="rId13"/>
-    <p:sldId id="267" r:id="rId14"/>
-    <p:sldId id="269" r:id="rId15"/>
-    <p:sldId id="270" r:id="rId16"/>
-    <p:sldId id="271" r:id="rId17"/>
-    <p:sldId id="272" r:id="rId18"/>
-    <p:sldId id="273" r:id="rId19"/>
-    <p:sldId id="279" r:id="rId20"/>
-    <p:sldId id="274" r:id="rId21"/>
-    <p:sldId id="277" r:id="rId22"/>
-    <p:sldId id="275" r:id="rId23"/>
-    <p:sldId id="281" r:id="rId24"/>
-    <p:sldId id="283" r:id="rId25"/>
+    <p:sldId id="280" r:id="rId3"/>
+    <p:sldId id="258" r:id="rId4"/>
+    <p:sldId id="260" r:id="rId5"/>
+    <p:sldId id="261" r:id="rId6"/>
+    <p:sldId id="262" r:id="rId7"/>
+    <p:sldId id="263" r:id="rId8"/>
+    <p:sldId id="264" r:id="rId9"/>
+    <p:sldId id="276" r:id="rId10"/>
+    <p:sldId id="268" r:id="rId11"/>
+    <p:sldId id="282" r:id="rId12"/>
+    <p:sldId id="267" r:id="rId13"/>
+    <p:sldId id="269" r:id="rId14"/>
+    <p:sldId id="270" r:id="rId15"/>
+    <p:sldId id="271" r:id="rId16"/>
+    <p:sldId id="272" r:id="rId17"/>
+    <p:sldId id="273" r:id="rId18"/>
+    <p:sldId id="279" r:id="rId19"/>
+    <p:sldId id="274" r:id="rId20"/>
+    <p:sldId id="277" r:id="rId21"/>
+    <p:sldId id="275" r:id="rId22"/>
+    <p:sldId id="281" r:id="rId23"/>
+    <p:sldId id="283" r:id="rId24"/>
   </p:sldIdLst>
   <p:sldSz cx="9144000" cy="6858000" type="screen4x3"/>
   <p:notesSz cx="6858000" cy="9144000"/>
@@ -216,7 +215,7 @@
             <a:fld id="{68C2200B-4DF5-4B43-97DF-553A509DFD1B}" type="datetimeFigureOut">
               <a:rPr lang="en-US" smtClean="0"/>
               <a:pPr/>
-              <a:t>5/30/2009</a:t>
+              <a:t>9/26/2009</a:t>
             </a:fld>
             <a:endParaRPr lang="en-US"/>
           </a:p>
@@ -640,36 +639,13 @@
           <a:p>
             <a:r>
               <a:rPr lang="en-US" dirty="0" smtClean="0"/>
-              <a:t>Imagine not worrying about the details of </a:t>
-            </a:r>
-            <a:r>
-              <a:rPr lang="en-US" dirty="0" err="1" smtClean="0"/>
-              <a:t>EmailSender</a:t>
+              <a:t>You</a:t>
             </a:r>
             <a:r>
               <a:rPr lang="en-US" baseline="0" dirty="0" smtClean="0"/>
-              <a:t> when you are writing </a:t>
-            </a:r>
-            <a:r>
-              <a:rPr lang="en-US" baseline="0" dirty="0" err="1" smtClean="0"/>
-              <a:t>WorkflowStepper</a:t>
-            </a:r>
-            <a:r>
-              <a:rPr lang="en-US" baseline="0" dirty="0"/>
-              <a:t> </a:t>
-            </a:r>
-            <a:r>
-              <a:rPr lang="en-US" baseline="0" dirty="0" smtClean="0"/>
-              <a:t>or </a:t>
-            </a:r>
-            <a:r>
-              <a:rPr lang="en-US" baseline="0" dirty="0" err="1" smtClean="0"/>
-              <a:t>AlertRegistry</a:t>
-            </a:r>
-            <a:r>
-              <a:rPr lang="en-US" baseline="0" dirty="0" smtClean="0"/>
-              <a:t>…</a:t>
-            </a:r>
+              <a:t> just worry about the concern you are working with.</a:t>
+            </a:r>
+            <a:endParaRPr lang="en-US" dirty="0"/>
           </a:p>
         </p:txBody>
       </p:sp>
@@ -752,12 +728,19 @@
           <a:lstStyle/>
           <a:p>
             <a:r>
+              <a:rPr lang="en-US" sz="1200" b="0" i="0" kern="1200" dirty="0" smtClean="0">
+                <a:solidFill>
+                  <a:schemeClr val="tx1"/>
+                </a:solidFill>
+                <a:latin typeface="+mn-lt"/>
+                <a:ea typeface="+mn-ea"/>
+                <a:cs typeface="+mn-cs"/>
+              </a:rPr>
+              <a:t>Imagine this whole graph (tree) of objects and dependencies gets wired up at RUN TIME, so that when you do this:</a:t>
+            </a:r>
+            <a:r>
               <a:rPr lang="en-US" dirty="0" smtClean="0"/>
-              <a:t>You</a:t>
-            </a:r>
-            <a:r>
-              <a:rPr lang="en-US" baseline="0" dirty="0" smtClean="0"/>
-              <a:t> just worry about the concern you are working with.</a:t>
+              <a:t> </a:t>
             </a:r>
             <a:endParaRPr lang="en-US" dirty="0"/>
           </a:p>
@@ -842,6 +825,10 @@
           <a:lstStyle/>
           <a:p>
             <a:r>
+              <a:rPr lang="en-US" dirty="0" smtClean="0"/>
+              <a:t>.. </a:t>
+            </a:r>
+            <a:r>
               <a:rPr lang="en-US" sz="1200" b="0" i="0" kern="1200" dirty="0" smtClean="0">
                 <a:solidFill>
                   <a:schemeClr val="tx1"/>
@@ -850,11 +837,42 @@
                 <a:ea typeface="+mn-ea"/>
                 <a:cs typeface="+mn-cs"/>
               </a:rPr>
-              <a:t>Imagine this whole graph (tree) of objects and dependencies gets wired up at RUN TIME, so that when you do this:</a:t>
+              <a:t>you get a real deal </a:t>
+            </a:r>
+            <a:r>
+              <a:rPr lang="en-US" sz="1200" b="0" i="0" kern="1200" dirty="0" err="1" smtClean="0">
+                <a:solidFill>
+                  <a:schemeClr val="tx1"/>
+                </a:solidFill>
+                <a:latin typeface="+mn-lt"/>
+                <a:ea typeface="+mn-ea"/>
+                <a:cs typeface="+mn-cs"/>
+              </a:rPr>
+              <a:t>WorkflowStepper</a:t>
+            </a:r>
+            <a:r>
+              <a:rPr lang="en-US" sz="1200" b="0" i="0" kern="1200" dirty="0" smtClean="0">
+                <a:solidFill>
+                  <a:schemeClr val="tx1"/>
+                </a:solidFill>
+                <a:latin typeface="+mn-lt"/>
+                <a:ea typeface="+mn-ea"/>
+                <a:cs typeface="+mn-cs"/>
+              </a:rPr>
+              <a:t> with all the dependencies automatically filled in where you need them.</a:t>
             </a:r>
             <a:r>
               <a:rPr lang="en-US" dirty="0" smtClean="0"/>
               <a:t> </a:t>
+            </a:r>
+          </a:p>
+          <a:p>
+            <a:endParaRPr lang="en-US" baseline="0" dirty="0" smtClean="0"/>
+          </a:p>
+          <a:p>
+            <a:r>
+              <a:rPr lang="en-US" baseline="0" dirty="0" smtClean="0"/>
+              <a:t>Service Locator pattern</a:t>
             </a:r>
             <a:endParaRPr lang="en-US" dirty="0"/>
           </a:p>
@@ -940,44 +958,17 @@
           <a:p>
             <a:r>
               <a:rPr lang="en-US" dirty="0" smtClean="0"/>
-              <a:t>.. </a:t>
-            </a:r>
-            <a:r>
-              <a:rPr lang="en-US" sz="1200" b="0" i="0" kern="1200" dirty="0" smtClean="0">
-                <a:solidFill>
-                  <a:schemeClr val="tx1"/>
-                </a:solidFill>
-                <a:latin typeface="+mn-lt"/>
-                <a:ea typeface="+mn-ea"/>
-                <a:cs typeface="+mn-cs"/>
-              </a:rPr>
-              <a:t>you get a real deal </a:t>
-            </a:r>
-            <a:r>
-              <a:rPr lang="en-US" sz="1200" b="0" i="0" kern="1200" dirty="0" err="1" smtClean="0">
-                <a:solidFill>
-                  <a:schemeClr val="tx1"/>
-                </a:solidFill>
-                <a:latin typeface="+mn-lt"/>
-                <a:ea typeface="+mn-ea"/>
-                <a:cs typeface="+mn-cs"/>
-              </a:rPr>
-              <a:t>WorkflowStepper</a:t>
-            </a:r>
-            <a:r>
-              <a:rPr lang="en-US" sz="1200" b="0" i="0" kern="1200" dirty="0" smtClean="0">
-                <a:solidFill>
-                  <a:schemeClr val="tx1"/>
-                </a:solidFill>
-                <a:latin typeface="+mn-lt"/>
-                <a:ea typeface="+mn-ea"/>
-                <a:cs typeface="+mn-cs"/>
-              </a:rPr>
-              <a:t> with all the dependencies automatically filled in where you need them.</a:t>
-            </a:r>
+              <a:t>The red arrow is the entry point</a:t>
+            </a:r>
+          </a:p>
+          <a:p>
             <a:r>
               <a:rPr lang="en-US" dirty="0" smtClean="0"/>
-              <a:t> </a:t>
+              <a:t>The components</a:t>
+            </a:r>
+            <a:r>
+              <a:rPr lang="en-US" baseline="0" dirty="0" smtClean="0"/>
+              <a:t> live inside the IOC tool</a:t>
             </a:r>
           </a:p>
           <a:p>
@@ -986,9 +977,8 @@
           <a:p>
             <a:r>
               <a:rPr lang="en-US" baseline="0" dirty="0" smtClean="0"/>
-              <a:t>Service Locator pattern</a:t>
-            </a:r>
-            <a:endParaRPr lang="en-US" dirty="0"/>
+              <a:t>The IOC tool manages the application</a:t>
+            </a:r>
           </a:p>
         </p:txBody>
       </p:sp>
@@ -1072,27 +1062,9 @@
           <a:p>
             <a:r>
               <a:rPr lang="en-US" dirty="0" smtClean="0"/>
-              <a:t>The red arrow is the entry point</a:t>
-            </a:r>
-          </a:p>
-          <a:p>
-            <a:r>
-              <a:rPr lang="en-US" dirty="0" smtClean="0"/>
-              <a:t>The components</a:t>
-            </a:r>
-            <a:r>
-              <a:rPr lang="en-US" baseline="0" dirty="0" smtClean="0"/>
-              <a:t> live inside the IOC tool</a:t>
-            </a:r>
-          </a:p>
-          <a:p>
-            <a:endParaRPr lang="en-US" baseline="0" dirty="0" smtClean="0"/>
-          </a:p>
-          <a:p>
-            <a:r>
-              <a:rPr lang="en-US" baseline="0" dirty="0" smtClean="0"/>
-              <a:t>The IOC tool manages the application</a:t>
-            </a:r>
+              <a:t>Finish demo here.</a:t>
+            </a:r>
+            <a:endParaRPr lang="en-US" dirty="0"/>
           </a:p>
         </p:txBody>
       </p:sp>
@@ -1176,7 +1148,29 @@
           <a:p>
             <a:r>
               <a:rPr lang="en-US" dirty="0" smtClean="0"/>
-              <a:t>Finish demo here.</a:t>
+              <a:t>Makes it easy to isolate classes under test and to test interactions between classes by allowing the tester to provide a special implementation.</a:t>
+            </a:r>
+          </a:p>
+          <a:p>
+            <a:r>
+              <a:rPr lang="en-US" dirty="0" smtClean="0"/>
+              <a:t>Enables code reuse and prevents duplication by enabling the sharing of functional parts.</a:t>
+            </a:r>
+          </a:p>
+          <a:p>
+            <a:r>
+              <a:rPr lang="en-US" dirty="0" smtClean="0"/>
+              <a:t>Since each component</a:t>
+            </a:r>
+            <a:r>
+              <a:rPr lang="en-US" baseline="0" dirty="0" smtClean="0"/>
+              <a:t> is only concerned with its responsibility, it can focus on that simple job.</a:t>
+            </a:r>
+          </a:p>
+          <a:p>
+            <a:r>
+              <a:rPr lang="en-US" baseline="0" dirty="0" smtClean="0"/>
+              <a:t>Construction speed is quickened because of the above things.  That’s what we’re here for, right?</a:t>
             </a:r>
             <a:endParaRPr lang="en-US" dirty="0"/>
           </a:p>
@@ -1201,114 +1195,6 @@
               <a:rPr lang="en-US" smtClean="0"/>
               <a:pPr/>
               <a:t>20</a:t>
-            </a:fld>
-            <a:endParaRPr lang="en-US"/>
-          </a:p>
-        </p:txBody>
-      </p:sp>
-    </p:spTree>
-  </p:cSld>
-  <p:clrMapOvr>
-    <a:masterClrMapping/>
-  </p:clrMapOvr>
-</p:notes>
-</file>
-
-<file path=ppt/notesSlides/notesSlide16.xml><?xml version="1.0" encoding="utf-8"?>
-<p:notes xmlns:a="http://schemas.openxmlformats.org/drawingml/2006/main" xmlns:r="http://schemas.openxmlformats.org/officeDocument/2006/relationships" xmlns:p="http://schemas.openxmlformats.org/presentationml/2006/main">
-  <p:cSld>
-    <p:spTree>
-      <p:nvGrpSpPr>
-        <p:cNvPr id="1" name=""/>
-        <p:cNvGrpSpPr/>
-        <p:nvPr/>
-      </p:nvGrpSpPr>
-      <p:grpSpPr>
-        <a:xfrm>
-          <a:off x="0" y="0"/>
-          <a:ext cx="0" cy="0"/>
-          <a:chOff x="0" y="0"/>
-          <a:chExt cx="0" cy="0"/>
-        </a:xfrm>
-      </p:grpSpPr>
-      <p:sp>
-        <p:nvSpPr>
-          <p:cNvPr id="2" name="Slide Image Placeholder 1"/>
-          <p:cNvSpPr>
-            <a:spLocks noGrp="1" noRot="1" noChangeAspect="1"/>
-          </p:cNvSpPr>
-          <p:nvPr>
-            <p:ph type="sldImg"/>
-          </p:nvPr>
-        </p:nvSpPr>
-        <p:spPr/>
-      </p:sp>
-      <p:sp>
-        <p:nvSpPr>
-          <p:cNvPr id="3" name="Notes Placeholder 2"/>
-          <p:cNvSpPr>
-            <a:spLocks noGrp="1"/>
-          </p:cNvSpPr>
-          <p:nvPr>
-            <p:ph type="body" idx="1"/>
-          </p:nvPr>
-        </p:nvSpPr>
-        <p:spPr/>
-        <p:txBody>
-          <a:bodyPr>
-            <a:normAutofit/>
-          </a:bodyPr>
-          <a:lstStyle/>
-          <a:p>
-            <a:r>
-              <a:rPr lang="en-US" dirty="0" smtClean="0"/>
-              <a:t>Makes it easy to isolate classes under test and to test interactions between classes by allowing the tester to provide a special implementation.</a:t>
-            </a:r>
-          </a:p>
-          <a:p>
-            <a:r>
-              <a:rPr lang="en-US" dirty="0" smtClean="0"/>
-              <a:t>Enables code reuse and prevents duplication by enabling the sharing of functional parts.</a:t>
-            </a:r>
-          </a:p>
-          <a:p>
-            <a:r>
-              <a:rPr lang="en-US" dirty="0" smtClean="0"/>
-              <a:t>Since each component</a:t>
-            </a:r>
-            <a:r>
-              <a:rPr lang="en-US" baseline="0" dirty="0" smtClean="0"/>
-              <a:t> is only concerned with its responsibility, it can focus on that simple job.</a:t>
-            </a:r>
-          </a:p>
-          <a:p>
-            <a:r>
-              <a:rPr lang="en-US" baseline="0" dirty="0" smtClean="0"/>
-              <a:t>Construction speed is quickened because of the above things.  That’s what we’re here for, right?</a:t>
-            </a:r>
-            <a:endParaRPr lang="en-US" dirty="0"/>
-          </a:p>
-        </p:txBody>
-      </p:sp>
-      <p:sp>
-        <p:nvSpPr>
-          <p:cNvPr id="4" name="Slide Number Placeholder 3"/>
-          <p:cNvSpPr>
-            <a:spLocks noGrp="1"/>
-          </p:cNvSpPr>
-          <p:nvPr>
-            <p:ph type="sldNum" sz="quarter" idx="10"/>
-          </p:nvPr>
-        </p:nvSpPr>
-        <p:spPr/>
-        <p:txBody>
-          <a:bodyPr/>
-          <a:lstStyle/>
-          <a:p>
-            <a:fld id="{F437F1BE-5EC6-4322-A622-CE658C80A5A4}" type="slidenum">
-              <a:rPr lang="en-US" smtClean="0"/>
-              <a:pPr/>
-              <a:t>21</a:t>
             </a:fld>
             <a:endParaRPr lang="en-US"/>
           </a:p>
@@ -1369,27 +1255,32 @@
           <a:lstStyle/>
           <a:p>
             <a:r>
+              <a:rPr lang="en-US" dirty="0" smtClean="0"/>
+              <a:t>What is an</a:t>
+            </a:r>
+            <a:r>
               <a:rPr lang="en-US" baseline="0" dirty="0" smtClean="0"/>
-              <a:t>This talk is about the reasons for IOC and the ways it can benefit you</a:t>
-            </a:r>
+              <a:t> IOC tool?</a:t>
+            </a:r>
+          </a:p>
+          <a:p>
+            <a:endParaRPr lang="en-US" baseline="0" dirty="0" smtClean="0"/>
           </a:p>
           <a:p>
             <a:r>
               <a:rPr lang="en-US" baseline="0" dirty="0" smtClean="0"/>
-              <a:t>Tooling options</a:t>
-            </a:r>
+              <a:t>Delivers objects with pre-built and pre-wired dependencies right in there.  An entire object graph created via configuration and reflection rather than the new operator.</a:t>
+            </a:r>
+          </a:p>
+          <a:p>
+            <a:endParaRPr lang="en-US" baseline="0" dirty="0" smtClean="0"/>
           </a:p>
           <a:p>
             <a:r>
               <a:rPr lang="en-US" baseline="0" dirty="0" smtClean="0"/>
-              <a:t>Principles vs. practicalities</a:t>
-            </a:r>
-          </a:p>
-          <a:p>
-            <a:r>
-              <a:rPr lang="en-US" baseline="0" dirty="0" smtClean="0"/>
-              <a:t>* Showing some of the ways we use it rather than specific configurations *</a:t>
-            </a:r>
+              <a:t>Imagine you have an email sending class.. Let’s call it.. </a:t>
+            </a:r>
+            <a:endParaRPr lang="en-US" dirty="0" smtClean="0"/>
           </a:p>
         </p:txBody>
       </p:sp>
@@ -1473,31 +1364,13 @@
           <a:p>
             <a:r>
               <a:rPr lang="en-US" dirty="0" smtClean="0"/>
-              <a:t>What is an</a:t>
+              <a:t>But this</a:t>
             </a:r>
             <a:r>
               <a:rPr lang="en-US" baseline="0" dirty="0" smtClean="0"/>
-              <a:t> IOC tool?</a:t>
-            </a:r>
-          </a:p>
-          <a:p>
-            <a:endParaRPr lang="en-US" baseline="0" dirty="0" smtClean="0"/>
-          </a:p>
-          <a:p>
-            <a:r>
-              <a:rPr lang="en-US" baseline="0" dirty="0" smtClean="0"/>
-              <a:t>Delivers objects with pre-built and pre-wired dependencies right in there.  An entire object graph created via configuration and reflection rather than the new operator.</a:t>
-            </a:r>
-          </a:p>
-          <a:p>
-            <a:endParaRPr lang="en-US" baseline="0" dirty="0" smtClean="0"/>
-          </a:p>
-          <a:p>
-            <a:r>
-              <a:rPr lang="en-US" baseline="0" dirty="0" smtClean="0"/>
-              <a:t>Imagine you have an email sending class.. Let’s call it.. </a:t>
-            </a:r>
-            <a:endParaRPr lang="en-US" dirty="0" smtClean="0"/>
+              <a:t> – the use of the ‘new’ keyword – creates a tight coupling that is hard to change.</a:t>
+            </a:r>
+            <a:endParaRPr lang="en-US" dirty="0"/>
           </a:p>
         </p:txBody>
       </p:sp>
@@ -1519,7 +1392,7 @@
             <a:fld id="{F437F1BE-5EC6-4322-A622-CE658C80A5A4}" type="slidenum">
               <a:rPr lang="en-US" smtClean="0"/>
               <a:pPr/>
-              <a:t>3</a:t>
+              <a:t>6</a:t>
             </a:fld>
             <a:endParaRPr lang="en-US"/>
           </a:p>
@@ -1581,11 +1454,11 @@
           <a:p>
             <a:r>
               <a:rPr lang="en-US" dirty="0" smtClean="0"/>
-              <a:t>But this</a:t>
+              <a:t>Between</a:t>
             </a:r>
             <a:r>
               <a:rPr lang="en-US" baseline="0" dirty="0" smtClean="0"/>
-              <a:t> – the use of the ‘new’ keyword – creates a tight coupling that is hard to change.</a:t>
+              <a:t> objects, but also between the other dependencies of those objects.  Think UI vs. Data access!</a:t>
             </a:r>
             <a:endParaRPr lang="en-US" dirty="0"/>
           </a:p>
@@ -1609,7 +1482,7 @@
             <a:fld id="{F437F1BE-5EC6-4322-A622-CE658C80A5A4}" type="slidenum">
               <a:rPr lang="en-US" smtClean="0"/>
               <a:pPr/>
-              <a:t>7</a:t>
+              <a:t>8</a:t>
             </a:fld>
             <a:endParaRPr lang="en-US"/>
           </a:p>
@@ -1671,11 +1544,11 @@
           <a:p>
             <a:r>
               <a:rPr lang="en-US" dirty="0" smtClean="0"/>
-              <a:t>Between</a:t>
+              <a:t>Sometimes</a:t>
             </a:r>
             <a:r>
               <a:rPr lang="en-US" baseline="0" dirty="0" smtClean="0"/>
-              <a:t> objects, but also between the other dependencies of those objects.  Think UI vs. Data access!</a:t>
+              <a:t> it’s difficult or impossible to instantiate a class.</a:t>
             </a:r>
             <a:endParaRPr lang="en-US" dirty="0"/>
           </a:p>
@@ -1761,11 +1634,7 @@
           <a:p>
             <a:r>
               <a:rPr lang="en-US" dirty="0" smtClean="0"/>
-              <a:t>Sometimes</a:t>
-            </a:r>
-            <a:r>
-              <a:rPr lang="en-US" baseline="0" dirty="0" smtClean="0"/>
-              <a:t> it’s difficult or impossible to instantiate a class.</a:t>
+              <a:t>This is dependency injection</a:t>
             </a:r>
             <a:endParaRPr lang="en-US" dirty="0"/>
           </a:p>
@@ -1851,7 +1720,33 @@
           <a:p>
             <a:r>
               <a:rPr lang="en-US" dirty="0" smtClean="0"/>
-              <a:t>This is dependency injection</a:t>
+              <a:t>Here is dependency</a:t>
+            </a:r>
+            <a:r>
+              <a:rPr lang="en-US" baseline="0" dirty="0" smtClean="0"/>
+              <a:t> injection in action. </a:t>
+            </a:r>
+          </a:p>
+          <a:p>
+            <a:endParaRPr lang="en-US" baseline="0" dirty="0" smtClean="0"/>
+          </a:p>
+          <a:p>
+            <a:r>
+              <a:rPr lang="en-US" baseline="0" dirty="0" smtClean="0">
+                <a:solidFill>
+                  <a:srgbClr val="FF0000"/>
+                </a:solidFill>
+              </a:rPr>
+              <a:t>Demo without service locator.</a:t>
+            </a:r>
+          </a:p>
+          <a:p>
+            <a:endParaRPr lang="en-US" baseline="0" dirty="0" smtClean="0"/>
+          </a:p>
+          <a:p>
+            <a:r>
+              <a:rPr lang="en-US" baseline="0" dirty="0" smtClean="0"/>
+              <a:t>But imagine a number of classes, a number of dependencies, a million components, each with one job, one responsibility, one easily-tested role to play, all composed together to form an application:</a:t>
             </a:r>
             <a:endParaRPr lang="en-US" dirty="0"/>
           </a:p>
@@ -1875,7 +1770,7 @@
             <a:fld id="{F437F1BE-5EC6-4322-A622-CE658C80A5A4}" type="slidenum">
               <a:rPr lang="en-US" smtClean="0"/>
               <a:pPr/>
-              <a:t>11</a:t>
+              <a:t>12</a:t>
             </a:fld>
             <a:endParaRPr lang="en-US"/>
           </a:p>
@@ -1937,11 +1832,11 @@
           <a:p>
             <a:r>
               <a:rPr lang="en-US" dirty="0" smtClean="0"/>
-              <a:t>Here is dependency</a:t>
+              <a:t>If a</a:t>
             </a:r>
             <a:r>
               <a:rPr lang="en-US" baseline="0" dirty="0" smtClean="0"/>
-              <a:t> injection in action. </a:t>
+              <a:t> service must take a dependency, the clearest way is through a constructor function parameter.  Imagine an entire application composed of small, focused classes.</a:t>
             </a:r>
           </a:p>
           <a:p>
@@ -1949,21 +1844,8 @@
           </a:p>
           <a:p>
             <a:r>
-              <a:rPr lang="en-US" baseline="0" dirty="0" smtClean="0">
-                <a:solidFill>
-                  <a:srgbClr val="FF0000"/>
-                </a:solidFill>
-              </a:rPr>
-              <a:t>Demo without service locator.</a:t>
-            </a:r>
-          </a:p>
-          <a:p>
-            <a:endParaRPr lang="en-US" baseline="0" dirty="0" smtClean="0"/>
-          </a:p>
-          <a:p>
-            <a:r>
               <a:rPr lang="en-US" baseline="0" dirty="0" smtClean="0"/>
-              <a:t>But imagine a number of classes, a number of dependencies, a million components, each with one job, one responsibility, one easily-tested role to play, all composed together to form an application:</a:t>
+              <a:t>This is cool, because you can write classes that just do one thing.  Sure they may need another class, but the interface provides the contract, but they are not responsible for choosing an implementation or instantiating the dependency.  THIS is inversion of control.</a:t>
             </a:r>
             <a:endParaRPr lang="en-US" dirty="0"/>
           </a:p>
@@ -2049,22 +1931,36 @@
           <a:p>
             <a:r>
               <a:rPr lang="en-US" dirty="0" smtClean="0"/>
-              <a:t>If a</a:t>
+              <a:t>Imagine not worrying about the details of </a:t>
+            </a:r>
+            <a:r>
+              <a:rPr lang="en-US" dirty="0" err="1" smtClean="0"/>
+              <a:t>EmailSender</a:t>
             </a:r>
             <a:r>
               <a:rPr lang="en-US" baseline="0" dirty="0" smtClean="0"/>
-              <a:t> service must take a dependency, the clearest way is through a constructor function parameter.  Imagine an entire application composed of small, focused classes.</a:t>
-            </a:r>
-          </a:p>
-          <a:p>
-            <a:endParaRPr lang="en-US" baseline="0" dirty="0" smtClean="0"/>
-          </a:p>
-          <a:p>
+              <a:t> when you are writing </a:t>
+            </a:r>
+            <a:r>
+              <a:rPr lang="en-US" baseline="0" dirty="0" err="1" smtClean="0"/>
+              <a:t>WorkflowStepper</a:t>
+            </a:r>
+            <a:r>
+              <a:rPr lang="en-US" baseline="0" dirty="0"/>
+              <a:t> </a:t>
+            </a:r>
             <a:r>
               <a:rPr lang="en-US" baseline="0" dirty="0" smtClean="0"/>
-              <a:t>This is cool, because you can write classes that just do one thing.  Sure they may need another class, but the interface provides the contract, but they are not responsible for choosing an implementation or instantiating the dependency.  THIS is inversion of control.</a:t>
-            </a:r>
-            <a:endParaRPr lang="en-US" dirty="0"/>
+              <a:t>or </a:t>
+            </a:r>
+            <a:r>
+              <a:rPr lang="en-US" baseline="0" dirty="0" err="1" smtClean="0"/>
+              <a:t>AlertRegistry</a:t>
+            </a:r>
+            <a:r>
+              <a:rPr lang="en-US" baseline="0" dirty="0" smtClean="0"/>
+              <a:t>…</a:t>
+            </a:r>
           </a:p>
         </p:txBody>
       </p:sp>
@@ -2282,7 +2178,7 @@
             <a:fld id="{906B3CBC-F280-4D94-89D0-81AF5A06EAD7}" type="datetimeFigureOut">
               <a:rPr lang="en-US" smtClean="0"/>
               <a:pPr/>
-              <a:t>5/30/2009</a:t>
+              <a:t>9/26/2009</a:t>
             </a:fld>
             <a:endParaRPr lang="en-US"/>
           </a:p>
@@ -2449,7 +2345,7 @@
             <a:fld id="{906B3CBC-F280-4D94-89D0-81AF5A06EAD7}" type="datetimeFigureOut">
               <a:rPr lang="en-US" smtClean="0"/>
               <a:pPr/>
-              <a:t>5/30/2009</a:t>
+              <a:t>9/26/2009</a:t>
             </a:fld>
             <a:endParaRPr lang="en-US"/>
           </a:p>
@@ -2626,7 +2522,7 @@
             <a:fld id="{906B3CBC-F280-4D94-89D0-81AF5A06EAD7}" type="datetimeFigureOut">
               <a:rPr lang="en-US" smtClean="0"/>
               <a:pPr/>
-              <a:t>5/30/2009</a:t>
+              <a:t>9/26/2009</a:t>
             </a:fld>
             <a:endParaRPr lang="en-US"/>
           </a:p>
@@ -2793,7 +2689,7 @@
             <a:fld id="{906B3CBC-F280-4D94-89D0-81AF5A06EAD7}" type="datetimeFigureOut">
               <a:rPr lang="en-US" smtClean="0"/>
               <a:pPr/>
-              <a:t>5/30/2009</a:t>
+              <a:t>9/26/2009</a:t>
             </a:fld>
             <a:endParaRPr lang="en-US"/>
           </a:p>
@@ -3036,7 +2932,7 @@
             <a:fld id="{906B3CBC-F280-4D94-89D0-81AF5A06EAD7}" type="datetimeFigureOut">
               <a:rPr lang="en-US" smtClean="0"/>
               <a:pPr/>
-              <a:t>5/30/2009</a:t>
+              <a:t>9/26/2009</a:t>
             </a:fld>
             <a:endParaRPr lang="en-US"/>
           </a:p>
@@ -3321,7 +3217,7 @@
             <a:fld id="{906B3CBC-F280-4D94-89D0-81AF5A06EAD7}" type="datetimeFigureOut">
               <a:rPr lang="en-US" smtClean="0"/>
               <a:pPr/>
-              <a:t>5/30/2009</a:t>
+              <a:t>9/26/2009</a:t>
             </a:fld>
             <a:endParaRPr lang="en-US"/>
           </a:p>
@@ -3740,7 +3636,7 @@
             <a:fld id="{906B3CBC-F280-4D94-89D0-81AF5A06EAD7}" type="datetimeFigureOut">
               <a:rPr lang="en-US" smtClean="0"/>
               <a:pPr/>
-              <a:t>5/30/2009</a:t>
+              <a:t>9/26/2009</a:t>
             </a:fld>
             <a:endParaRPr lang="en-US"/>
           </a:p>
@@ -3855,7 +3751,7 @@
             <a:fld id="{906B3CBC-F280-4D94-89D0-81AF5A06EAD7}" type="datetimeFigureOut">
               <a:rPr lang="en-US" smtClean="0"/>
               <a:pPr/>
-              <a:t>5/30/2009</a:t>
+              <a:t>9/26/2009</a:t>
             </a:fld>
             <a:endParaRPr lang="en-US"/>
           </a:p>
@@ -3947,7 +3843,7 @@
             <a:fld id="{906B3CBC-F280-4D94-89D0-81AF5A06EAD7}" type="datetimeFigureOut">
               <a:rPr lang="en-US" smtClean="0"/>
               <a:pPr/>
-              <a:t>5/30/2009</a:t>
+              <a:t>9/26/2009</a:t>
             </a:fld>
             <a:endParaRPr lang="en-US"/>
           </a:p>
@@ -4221,7 +4117,7 @@
             <a:fld id="{906B3CBC-F280-4D94-89D0-81AF5A06EAD7}" type="datetimeFigureOut">
               <a:rPr lang="en-US" smtClean="0"/>
               <a:pPr/>
-              <a:t>5/30/2009</a:t>
+              <a:t>9/26/2009</a:t>
             </a:fld>
             <a:endParaRPr lang="en-US"/>
           </a:p>
@@ -4471,7 +4367,7 @@
             <a:fld id="{906B3CBC-F280-4D94-89D0-81AF5A06EAD7}" type="datetimeFigureOut">
               <a:rPr lang="en-US" smtClean="0"/>
               <a:pPr/>
-              <a:t>5/30/2009</a:t>
+              <a:t>9/26/2009</a:t>
             </a:fld>
             <a:endParaRPr lang="en-US"/>
           </a:p>
@@ -4681,7 +4577,7 @@
             <a:fld id="{906B3CBC-F280-4D94-89D0-81AF5A06EAD7}" type="datetimeFigureOut">
               <a:rPr lang="en-US" smtClean="0"/>
               <a:pPr/>
-              <a:t>5/30/2009</a:t>
+              <a:t>9/26/2009</a:t>
             </a:fld>
             <a:endParaRPr lang="en-US"/>
           </a:p>
@@ -5112,11 +5008,7 @@
           <a:p>
             <a:r>
               <a:rPr lang="en-US" dirty="0" smtClean="0"/>
-              <a:t>Matt </a:t>
-            </a:r>
-            <a:r>
-              <a:rPr lang="en-US" dirty="0" smtClean="0"/>
-              <a:t>Hinze</a:t>
+              <a:t>Matt Hinze</a:t>
             </a:r>
             <a:br>
               <a:rPr lang="en-US" dirty="0" smtClean="0"/>
@@ -5159,74 +5051,6 @@
 </file>
 
 <file path=ppt/slides/slide10.xml><?xml version="1.0" encoding="utf-8"?>
-<p:sld xmlns:a="http://schemas.openxmlformats.org/drawingml/2006/main" xmlns:r="http://schemas.openxmlformats.org/officeDocument/2006/relationships" xmlns:p="http://schemas.openxmlformats.org/presentationml/2006/main">
-  <p:cSld>
-    <p:spTree>
-      <p:nvGrpSpPr>
-        <p:cNvPr id="1" name=""/>
-        <p:cNvGrpSpPr/>
-        <p:nvPr/>
-      </p:nvGrpSpPr>
-      <p:grpSpPr>
-        <a:xfrm>
-          <a:off x="0" y="0"/>
-          <a:ext cx="0" cy="0"/>
-          <a:chOff x="0" y="0"/>
-          <a:chExt cx="0" cy="0"/>
-        </a:xfrm>
-      </p:grpSpPr>
-      <p:sp>
-        <p:nvSpPr>
-          <p:cNvPr id="2" name="Title 1"/>
-          <p:cNvSpPr>
-            <a:spLocks noGrp="1"/>
-          </p:cNvSpPr>
-          <p:nvPr>
-            <p:ph type="title"/>
-          </p:nvPr>
-        </p:nvSpPr>
-        <p:spPr>
-          <a:xfrm>
-            <a:off x="457200" y="2423319"/>
-            <a:ext cx="8229600" cy="2011362"/>
-          </a:xfrm>
-        </p:spPr>
-        <p:txBody>
-          <a:bodyPr>
-            <a:noAutofit/>
-          </a:bodyPr>
-          <a:lstStyle/>
-          <a:p>
-            <a:r>
-              <a:rPr lang="en-US" sz="6600" dirty="0" smtClean="0">
-                <a:latin typeface="Consolas" pitchFamily="49" charset="0"/>
-              </a:rPr>
-              <a:t>new</a:t>
-            </a:r>
-            <a:r>
-              <a:rPr lang="en-US" sz="6600" dirty="0" smtClean="0"/>
-              <a:t> isn’t always viable.</a:t>
-            </a:r>
-            <a:endParaRPr lang="en-US" sz="6600" dirty="0"/>
-          </a:p>
-        </p:txBody>
-      </p:sp>
-    </p:spTree>
-  </p:cSld>
-  <p:clrMapOvr>
-    <a:masterClrMapping/>
-  </p:clrMapOvr>
-  <p:timing>
-    <p:tnLst>
-      <p:par>
-        <p:cTn id="1" dur="indefinite" restart="never" nodeType="tmRoot"/>
-      </p:par>
-    </p:tnLst>
-  </p:timing>
-</p:sld>
-</file>
-
-<file path=ppt/slides/slide11.xml><?xml version="1.0" encoding="utf-8"?>
 <p:sld xmlns:a="http://schemas.openxmlformats.org/drawingml/2006/main" xmlns:r="http://schemas.openxmlformats.org/officeDocument/2006/relationships" xmlns:p="http://schemas.openxmlformats.org/presentationml/2006/main">
   <p:cSld>
     <p:spTree>
@@ -5324,7 +5148,7 @@
 </p:sld>
 </file>
 
-<file path=ppt/slides/slide12.xml><?xml version="1.0" encoding="utf-8"?>
+<file path=ppt/slides/slide11.xml><?xml version="1.0" encoding="utf-8"?>
 <p:sld xmlns:a="http://schemas.openxmlformats.org/drawingml/2006/main" xmlns:r="http://schemas.openxmlformats.org/officeDocument/2006/relationships" xmlns:p="http://schemas.openxmlformats.org/presentationml/2006/main">
   <p:cSld>
     <p:spTree>
@@ -5388,7 +5212,7 @@
 </p:sld>
 </file>
 
-<file path=ppt/slides/slide13.xml><?xml version="1.0" encoding="utf-8"?>
+<file path=ppt/slides/slide12.xml><?xml version="1.0" encoding="utf-8"?>
 <p:sld xmlns:a="http://schemas.openxmlformats.org/drawingml/2006/main" xmlns:r="http://schemas.openxmlformats.org/officeDocument/2006/relationships" xmlns:p="http://schemas.openxmlformats.org/presentationml/2006/main">
   <p:cSld>
     <p:spTree>
@@ -5453,7 +5277,7 @@
 </p:sld>
 </file>
 
-<file path=ppt/slides/slide14.xml><?xml version="1.0" encoding="utf-8"?>
+<file path=ppt/slides/slide13.xml><?xml version="1.0" encoding="utf-8"?>
 <p:sld xmlns:a="http://schemas.openxmlformats.org/drawingml/2006/main" xmlns:r="http://schemas.openxmlformats.org/officeDocument/2006/relationships" xmlns:p="http://schemas.openxmlformats.org/presentationml/2006/main">
   <p:cSld>
     <p:spTree>
@@ -5518,7 +5342,7 @@
 </p:sld>
 </file>
 
-<file path=ppt/slides/slide15.xml><?xml version="1.0" encoding="utf-8"?>
+<file path=ppt/slides/slide14.xml><?xml version="1.0" encoding="utf-8"?>
 <p:sld xmlns:a="http://schemas.openxmlformats.org/drawingml/2006/main" xmlns:r="http://schemas.openxmlformats.org/officeDocument/2006/relationships" xmlns:p="http://schemas.openxmlformats.org/presentationml/2006/main">
   <p:cSld>
     <p:spTree>
@@ -5616,7 +5440,7 @@
 </p:sld>
 </file>
 
-<file path=ppt/slides/slide16.xml><?xml version="1.0" encoding="utf-8"?>
+<file path=ppt/slides/slide15.xml><?xml version="1.0" encoding="utf-8"?>
 <p:sld xmlns:a="http://schemas.openxmlformats.org/drawingml/2006/main" xmlns:r="http://schemas.openxmlformats.org/officeDocument/2006/relationships" xmlns:p="http://schemas.openxmlformats.org/presentationml/2006/main">
   <p:cSld>
     <p:spTree>
@@ -5681,7 +5505,7 @@
 </p:sld>
 </file>
 
-<file path=ppt/slides/slide17.xml><?xml version="1.0" encoding="utf-8"?>
+<file path=ppt/slides/slide16.xml><?xml version="1.0" encoding="utf-8"?>
 <p:sld xmlns:a="http://schemas.openxmlformats.org/drawingml/2006/main" xmlns:r="http://schemas.openxmlformats.org/officeDocument/2006/relationships" xmlns:p="http://schemas.openxmlformats.org/presentationml/2006/main">
   <p:cSld>
     <p:spTree>
@@ -5746,7 +5570,7 @@
 </p:sld>
 </file>
 
-<file path=ppt/slides/slide18.xml><?xml version="1.0" encoding="utf-8"?>
+<file path=ppt/slides/slide17.xml><?xml version="1.0" encoding="utf-8"?>
 <p:sld xmlns:a="http://schemas.openxmlformats.org/drawingml/2006/main" xmlns:r="http://schemas.openxmlformats.org/officeDocument/2006/relationships" xmlns:p="http://schemas.openxmlformats.org/presentationml/2006/main">
   <p:cSld>
     <p:spTree>
@@ -5811,7 +5635,7 @@
 </p:sld>
 </file>
 
-<file path=ppt/slides/slide19.xml><?xml version="1.0" encoding="utf-8"?>
+<file path=ppt/slides/slide18.xml><?xml version="1.0" encoding="utf-8"?>
 <p:sld xmlns:a="http://schemas.openxmlformats.org/drawingml/2006/main" xmlns:r="http://schemas.openxmlformats.org/officeDocument/2006/relationships" xmlns:p="http://schemas.openxmlformats.org/presentationml/2006/main">
   <p:cSld>
     <p:spTree>
@@ -5876,102 +5700,7 @@
 </p:sld>
 </file>
 
-<file path=ppt/slides/slide2.xml><?xml version="1.0" encoding="utf-8"?>
-<p:sld xmlns:a="http://schemas.openxmlformats.org/drawingml/2006/main" xmlns:r="http://schemas.openxmlformats.org/officeDocument/2006/relationships" xmlns:p="http://schemas.openxmlformats.org/presentationml/2006/main">
-  <p:cSld>
-    <p:spTree>
-      <p:nvGrpSpPr>
-        <p:cNvPr id="1" name=""/>
-        <p:cNvGrpSpPr/>
-        <p:nvPr/>
-      </p:nvGrpSpPr>
-      <p:grpSpPr>
-        <a:xfrm>
-          <a:off x="0" y="0"/>
-          <a:ext cx="0" cy="0"/>
-          <a:chOff x="0" y="0"/>
-          <a:chExt cx="0" cy="0"/>
-        </a:xfrm>
-      </p:grpSpPr>
-      <p:sp>
-        <p:nvSpPr>
-          <p:cNvPr id="2" name="Title 1"/>
-          <p:cNvSpPr>
-            <a:spLocks noGrp="1"/>
-          </p:cNvSpPr>
-          <p:nvPr>
-            <p:ph type="title"/>
-          </p:nvPr>
-        </p:nvSpPr>
-        <p:spPr/>
-        <p:txBody>
-          <a:bodyPr/>
-          <a:lstStyle/>
-          <a:p>
-            <a:r>
-              <a:rPr lang="en-US" dirty="0" smtClean="0"/>
-              <a:t>Agenda</a:t>
-            </a:r>
-            <a:endParaRPr lang="en-US" dirty="0"/>
-          </a:p>
-        </p:txBody>
-      </p:sp>
-      <p:sp>
-        <p:nvSpPr>
-          <p:cNvPr id="3" name="Content Placeholder 2"/>
-          <p:cNvSpPr>
-            <a:spLocks noGrp="1"/>
-          </p:cNvSpPr>
-          <p:nvPr>
-            <p:ph idx="1"/>
-          </p:nvPr>
-        </p:nvSpPr>
-        <p:spPr/>
-        <p:txBody>
-          <a:bodyPr/>
-          <a:lstStyle/>
-          <a:p>
-            <a:r>
-              <a:rPr lang="en-US" dirty="0" smtClean="0"/>
-              <a:t>What is this talk about</a:t>
-            </a:r>
-          </a:p>
-          <a:p>
-            <a:r>
-              <a:rPr lang="en-US" dirty="0" smtClean="0"/>
-              <a:t>The what and why of IOC</a:t>
-            </a:r>
-          </a:p>
-          <a:p>
-            <a:r>
-              <a:rPr lang="en-US" dirty="0" smtClean="0"/>
-              <a:t>How to do it</a:t>
-            </a:r>
-          </a:p>
-          <a:p>
-            <a:r>
-              <a:rPr lang="en-US" dirty="0" smtClean="0"/>
-              <a:t>Usage scenarios</a:t>
-            </a:r>
-          </a:p>
-        </p:txBody>
-      </p:sp>
-    </p:spTree>
-  </p:cSld>
-  <p:clrMapOvr>
-    <a:masterClrMapping/>
-  </p:clrMapOvr>
-  <p:timing>
-    <p:tnLst>
-      <p:par>
-        <p:cTn id="1" dur="indefinite" restart="never" nodeType="tmRoot"/>
-      </p:par>
-    </p:tnLst>
-  </p:timing>
-</p:sld>
-</file>
-
-<file path=ppt/slides/slide20.xml><?xml version="1.0" encoding="utf-8"?>
+<file path=ppt/slides/slide19.xml><?xml version="1.0" encoding="utf-8"?>
 <p:sld xmlns:a="http://schemas.openxmlformats.org/drawingml/2006/main" xmlns:r="http://schemas.openxmlformats.org/officeDocument/2006/relationships" xmlns:p="http://schemas.openxmlformats.org/presentationml/2006/main">
   <p:cSld>
     <p:bg>
@@ -6041,6 +5770,181 @@
               </a:solidFill>
               <a:latin typeface="Consolas" pitchFamily="49" charset="0"/>
             </a:endParaRPr>
+          </a:p>
+        </p:txBody>
+      </p:sp>
+    </p:spTree>
+  </p:cSld>
+  <p:clrMapOvr>
+    <a:masterClrMapping/>
+  </p:clrMapOvr>
+  <p:timing>
+    <p:tnLst>
+      <p:par>
+        <p:cTn id="1" dur="indefinite" restart="never" nodeType="tmRoot"/>
+      </p:par>
+    </p:tnLst>
+  </p:timing>
+</p:sld>
+</file>
+
+<file path=ppt/slides/slide2.xml><?xml version="1.0" encoding="utf-8"?>
+<p:sld xmlns:a="http://schemas.openxmlformats.org/drawingml/2006/main" xmlns:r="http://schemas.openxmlformats.org/officeDocument/2006/relationships" xmlns:p="http://schemas.openxmlformats.org/presentationml/2006/main">
+  <p:cSld>
+    <p:spTree>
+      <p:nvGrpSpPr>
+        <p:cNvPr id="1" name=""/>
+        <p:cNvGrpSpPr/>
+        <p:nvPr/>
+      </p:nvGrpSpPr>
+      <p:grpSpPr>
+        <a:xfrm>
+          <a:off x="0" y="0"/>
+          <a:ext cx="0" cy="0"/>
+          <a:chOff x="0" y="0"/>
+          <a:chExt cx="0" cy="0"/>
+        </a:xfrm>
+      </p:grpSpPr>
+      <p:sp>
+        <p:nvSpPr>
+          <p:cNvPr id="3" name="Content Placeholder 2"/>
+          <p:cNvSpPr>
+            <a:spLocks noGrp="1"/>
+          </p:cNvSpPr>
+          <p:nvPr>
+            <p:ph idx="1"/>
+          </p:nvPr>
+        </p:nvSpPr>
+        <p:spPr>
+          <a:xfrm>
+            <a:off x="3238500" y="0"/>
+            <a:ext cx="2667000" cy="6858000"/>
+          </a:xfrm>
+        </p:spPr>
+        <p:txBody>
+          <a:bodyPr>
+            <a:noAutofit/>
+          </a:bodyPr>
+          <a:lstStyle/>
+          <a:p>
+            <a:pPr>
+              <a:buNone/>
+            </a:pPr>
+            <a:r>
+              <a:rPr lang="en-US" sz="40000" dirty="0" smtClean="0"/>
+              <a:t>?</a:t>
+            </a:r>
+            <a:endParaRPr lang="en-US" sz="40000" dirty="0"/>
+          </a:p>
+        </p:txBody>
+      </p:sp>
+    </p:spTree>
+  </p:cSld>
+  <p:clrMapOvr>
+    <a:masterClrMapping/>
+  </p:clrMapOvr>
+  <p:timing>
+    <p:tnLst>
+      <p:par>
+        <p:cTn id="1" dur="indefinite" restart="never" nodeType="tmRoot"/>
+      </p:par>
+    </p:tnLst>
+  </p:timing>
+</p:sld>
+</file>
+
+<file path=ppt/slides/slide20.xml><?xml version="1.0" encoding="utf-8"?>
+<p:sld xmlns:a="http://schemas.openxmlformats.org/drawingml/2006/main" xmlns:r="http://schemas.openxmlformats.org/officeDocument/2006/relationships" xmlns:p="http://schemas.openxmlformats.org/presentationml/2006/main">
+  <p:cSld>
+    <p:spTree>
+      <p:nvGrpSpPr>
+        <p:cNvPr id="1" name=""/>
+        <p:cNvGrpSpPr/>
+        <p:nvPr/>
+      </p:nvGrpSpPr>
+      <p:grpSpPr>
+        <a:xfrm>
+          <a:off x="0" y="0"/>
+          <a:ext cx="0" cy="0"/>
+          <a:chOff x="0" y="0"/>
+          <a:chExt cx="0" cy="0"/>
+        </a:xfrm>
+      </p:grpSpPr>
+      <p:sp>
+        <p:nvSpPr>
+          <p:cNvPr id="2" name="Title 1"/>
+          <p:cNvSpPr>
+            <a:spLocks noGrp="1"/>
+          </p:cNvSpPr>
+          <p:nvPr>
+            <p:ph type="title"/>
+          </p:nvPr>
+        </p:nvSpPr>
+        <p:spPr/>
+        <p:txBody>
+          <a:bodyPr/>
+          <a:lstStyle/>
+          <a:p>
+            <a:r>
+              <a:rPr lang="en-US" dirty="0" smtClean="0"/>
+              <a:t>Some Benefits Enumerated</a:t>
+            </a:r>
+            <a:endParaRPr lang="en-US" dirty="0"/>
+          </a:p>
+        </p:txBody>
+      </p:sp>
+      <p:sp>
+        <p:nvSpPr>
+          <p:cNvPr id="3" name="Content Placeholder 2"/>
+          <p:cNvSpPr>
+            <a:spLocks noGrp="1"/>
+          </p:cNvSpPr>
+          <p:nvPr>
+            <p:ph idx="1"/>
+          </p:nvPr>
+        </p:nvSpPr>
+        <p:spPr/>
+        <p:txBody>
+          <a:bodyPr/>
+          <a:lstStyle/>
+          <a:p>
+            <a:r>
+              <a:rPr lang="en-US" dirty="0" smtClean="0"/>
+              <a:t>Testing</a:t>
+            </a:r>
+          </a:p>
+          <a:p>
+            <a:r>
+              <a:rPr lang="en-US" dirty="0" smtClean="0"/>
+              <a:t>Reuse</a:t>
+            </a:r>
+          </a:p>
+          <a:p>
+            <a:r>
+              <a:rPr lang="en-US" dirty="0" smtClean="0"/>
+              <a:t>Simplicity</a:t>
+            </a:r>
+          </a:p>
+          <a:p>
+            <a:r>
+              <a:rPr lang="en-US" dirty="0" smtClean="0"/>
+              <a:t>Construction velocity</a:t>
+            </a:r>
+          </a:p>
+          <a:p>
+            <a:r>
+              <a:rPr lang="en-US" dirty="0" smtClean="0"/>
+              <a:t>Fun</a:t>
+            </a:r>
+          </a:p>
+          <a:p>
+            <a:endParaRPr lang="en-US" dirty="0" smtClean="0"/>
+          </a:p>
+          <a:p>
+            <a:endParaRPr lang="en-US" dirty="0" smtClean="0"/>
+          </a:p>
+          <a:p>
+            <a:endParaRPr lang="en-US" dirty="0" smtClean="0"/>
           </a:p>
         </p:txBody>
       </p:sp>
@@ -6078,79 +5982,76 @@
       </p:grpSpPr>
       <p:sp>
         <p:nvSpPr>
-          <p:cNvPr id="2" name="Title 1"/>
-          <p:cNvSpPr>
-            <a:spLocks noGrp="1"/>
-          </p:cNvSpPr>
-          <p:nvPr>
-            <p:ph type="title"/>
-          </p:nvPr>
-        </p:nvSpPr>
-        <p:spPr/>
+          <p:cNvPr id="3" name="Content Placeholder 2"/>
+          <p:cNvSpPr>
+            <a:spLocks noGrp="1"/>
+          </p:cNvSpPr>
+          <p:nvPr>
+            <p:ph idx="1"/>
+          </p:nvPr>
+        </p:nvSpPr>
+        <p:spPr>
+          <a:xfrm>
+            <a:off x="457200" y="381000"/>
+            <a:ext cx="8229600" cy="5745163"/>
+          </a:xfrm>
+        </p:spPr>
         <p:txBody>
           <a:bodyPr/>
           <a:lstStyle/>
           <a:p>
             <a:r>
               <a:rPr lang="en-US" dirty="0" smtClean="0"/>
-              <a:t>Some Benefits Enumerated</a:t>
-            </a:r>
+              <a:t>Don’t use the tool where you don’t need it, in unit tests for example.</a:t>
+            </a:r>
+          </a:p>
+          <a:p>
+            <a:pPr>
+              <a:buNone/>
+            </a:pPr>
+            <a:endParaRPr lang="en-US" dirty="0" smtClean="0"/>
+          </a:p>
+          <a:p>
+            <a:r>
+              <a:rPr lang="en-US" dirty="0" smtClean="0"/>
+              <a:t>Think of the tool as a “composer” instead of a “container”; minimize entry points.</a:t>
+            </a:r>
+          </a:p>
+          <a:p>
+            <a:pPr>
+              <a:buNone/>
+            </a:pPr>
+            <a:endParaRPr lang="en-US" dirty="0" smtClean="0"/>
+          </a:p>
+          <a:p>
+            <a:r>
+              <a:rPr lang="en-US" dirty="0" smtClean="0"/>
+              <a:t>Prefer constructor injection.</a:t>
+            </a:r>
+          </a:p>
+          <a:p>
+            <a:endParaRPr lang="en-US" dirty="0" smtClean="0"/>
+          </a:p>
+          <a:p>
+            <a:r>
+              <a:rPr lang="en-US" dirty="0" smtClean="0"/>
+              <a:t>Avoid magic strings; favor convention over configuration.</a:t>
+            </a:r>
+          </a:p>
+          <a:p>
+            <a:endParaRPr lang="en-US" dirty="0" smtClean="0"/>
+          </a:p>
+          <a:p>
+            <a:endParaRPr lang="en-US" dirty="0" smtClean="0"/>
+          </a:p>
+          <a:p>
+            <a:endParaRPr lang="en-US" dirty="0" smtClean="0"/>
+          </a:p>
+          <a:p>
+            <a:endParaRPr lang="en-US" dirty="0" smtClean="0"/>
+          </a:p>
+          <a:p>
             <a:endParaRPr lang="en-US" dirty="0"/>
-          </a:p>
-        </p:txBody>
-      </p:sp>
-      <p:sp>
-        <p:nvSpPr>
-          <p:cNvPr id="3" name="Content Placeholder 2"/>
-          <p:cNvSpPr>
-            <a:spLocks noGrp="1"/>
-          </p:cNvSpPr>
-          <p:nvPr>
-            <p:ph idx="1"/>
-          </p:nvPr>
-        </p:nvSpPr>
-        <p:spPr/>
-        <p:txBody>
-          <a:bodyPr/>
-          <a:lstStyle/>
-          <a:p>
-            <a:r>
-              <a:rPr lang="en-US" dirty="0" smtClean="0"/>
-              <a:t>Testing</a:t>
-            </a:r>
-          </a:p>
-          <a:p>
-            <a:r>
-              <a:rPr lang="en-US" dirty="0" smtClean="0"/>
-              <a:t>Reuse</a:t>
-            </a:r>
-          </a:p>
-          <a:p>
-            <a:r>
-              <a:rPr lang="en-US" dirty="0" smtClean="0"/>
-              <a:t>Simplicity</a:t>
-            </a:r>
-          </a:p>
-          <a:p>
-            <a:r>
-              <a:rPr lang="en-US" dirty="0" smtClean="0"/>
-              <a:t>Construction velocity</a:t>
-            </a:r>
-          </a:p>
-          <a:p>
-            <a:r>
-              <a:rPr lang="en-US" dirty="0" smtClean="0"/>
-              <a:t>Fun</a:t>
-            </a:r>
-          </a:p>
-          <a:p>
-            <a:endParaRPr lang="en-US" dirty="0" smtClean="0"/>
-          </a:p>
-          <a:p>
-            <a:endParaRPr lang="en-US" dirty="0" smtClean="0"/>
-          </a:p>
-          <a:p>
-            <a:endParaRPr lang="en-US" dirty="0" smtClean="0"/>
           </a:p>
         </p:txBody>
       </p:sp>
@@ -6188,6 +6089,29 @@
       </p:grpSpPr>
       <p:sp>
         <p:nvSpPr>
+          <p:cNvPr id="2" name="Title 1"/>
+          <p:cNvSpPr>
+            <a:spLocks noGrp="1"/>
+          </p:cNvSpPr>
+          <p:nvPr>
+            <p:ph type="title"/>
+          </p:nvPr>
+        </p:nvSpPr>
+        <p:spPr/>
+        <p:txBody>
+          <a:bodyPr/>
+          <a:lstStyle/>
+          <a:p>
+            <a:r>
+              <a:rPr lang="en-US" dirty="0" smtClean="0"/>
+              <a:t>Useful Resources</a:t>
+            </a:r>
+            <a:endParaRPr lang="en-US" dirty="0"/>
+          </a:p>
+        </p:txBody>
+      </p:sp>
+      <p:sp>
+        <p:nvSpPr>
           <p:cNvPr id="3" name="Content Placeholder 2"/>
           <p:cNvSpPr>
             <a:spLocks noGrp="1"/>
@@ -6196,68 +6120,33 @@
             <p:ph idx="1"/>
           </p:nvPr>
         </p:nvSpPr>
-        <p:spPr>
-          <a:xfrm>
-            <a:off x="457200" y="381000"/>
-            <a:ext cx="8229600" cy="5745163"/>
-          </a:xfrm>
-        </p:spPr>
+        <p:spPr/>
         <p:txBody>
           <a:bodyPr/>
           <a:lstStyle/>
           <a:p>
             <a:r>
               <a:rPr lang="en-US" dirty="0" smtClean="0"/>
-              <a:t>Don’t use the tool where you don’t need it, in unit tests for example.</a:t>
-            </a:r>
-          </a:p>
-          <a:p>
-            <a:pPr>
-              <a:buNone/>
-            </a:pPr>
-            <a:endParaRPr lang="en-US" dirty="0" smtClean="0"/>
+              <a:t>StructureMap documentation</a:t>
+            </a:r>
           </a:p>
           <a:p>
             <a:r>
               <a:rPr lang="en-US" dirty="0" smtClean="0"/>
-              <a:t>Think of the tool as a “composer” instead of a “container”; minimize entry points.</a:t>
-            </a:r>
-          </a:p>
-          <a:p>
-            <a:pPr>
-              <a:buNone/>
-            </a:pPr>
-            <a:endParaRPr lang="en-US" dirty="0" smtClean="0"/>
+              <a:t>Autofac documentation</a:t>
+            </a:r>
           </a:p>
           <a:p>
             <a:r>
               <a:rPr lang="en-US" dirty="0" smtClean="0"/>
-              <a:t>Prefer constructor injection.</a:t>
-            </a:r>
-          </a:p>
-          <a:p>
-            <a:endParaRPr lang="en-US" dirty="0" smtClean="0"/>
+              <a:t>Jeremy Miller</a:t>
+            </a:r>
           </a:p>
           <a:p>
             <a:r>
               <a:rPr lang="en-US" dirty="0" smtClean="0"/>
-              <a:t>Avoid magic strings; favor convention over configuration.</a:t>
-            </a:r>
-          </a:p>
-          <a:p>
-            <a:endParaRPr lang="en-US" dirty="0" smtClean="0"/>
-          </a:p>
-          <a:p>
-            <a:endParaRPr lang="en-US" dirty="0" smtClean="0"/>
-          </a:p>
-          <a:p>
-            <a:endParaRPr lang="en-US" dirty="0" smtClean="0"/>
-          </a:p>
-          <a:p>
-            <a:endParaRPr lang="en-US" dirty="0" smtClean="0"/>
-          </a:p>
-          <a:p>
-            <a:endParaRPr lang="en-US" dirty="0"/>
+              <a:t>Tool-specific mailing lists</a:t>
+            </a:r>
           </a:p>
         </p:txBody>
       </p:sp>
@@ -6277,101 +6166,6 @@
 </file>
 
 <file path=ppt/slides/slide23.xml><?xml version="1.0" encoding="utf-8"?>
-<p:sld xmlns:a="http://schemas.openxmlformats.org/drawingml/2006/main" xmlns:r="http://schemas.openxmlformats.org/officeDocument/2006/relationships" xmlns:p="http://schemas.openxmlformats.org/presentationml/2006/main">
-  <p:cSld>
-    <p:spTree>
-      <p:nvGrpSpPr>
-        <p:cNvPr id="1" name=""/>
-        <p:cNvGrpSpPr/>
-        <p:nvPr/>
-      </p:nvGrpSpPr>
-      <p:grpSpPr>
-        <a:xfrm>
-          <a:off x="0" y="0"/>
-          <a:ext cx="0" cy="0"/>
-          <a:chOff x="0" y="0"/>
-          <a:chExt cx="0" cy="0"/>
-        </a:xfrm>
-      </p:grpSpPr>
-      <p:sp>
-        <p:nvSpPr>
-          <p:cNvPr id="2" name="Title 1"/>
-          <p:cNvSpPr>
-            <a:spLocks noGrp="1"/>
-          </p:cNvSpPr>
-          <p:nvPr>
-            <p:ph type="title"/>
-          </p:nvPr>
-        </p:nvSpPr>
-        <p:spPr/>
-        <p:txBody>
-          <a:bodyPr/>
-          <a:lstStyle/>
-          <a:p>
-            <a:r>
-              <a:rPr lang="en-US" dirty="0" smtClean="0"/>
-              <a:t>Useful Resources</a:t>
-            </a:r>
-            <a:endParaRPr lang="en-US" dirty="0"/>
-          </a:p>
-        </p:txBody>
-      </p:sp>
-      <p:sp>
-        <p:nvSpPr>
-          <p:cNvPr id="3" name="Content Placeholder 2"/>
-          <p:cNvSpPr>
-            <a:spLocks noGrp="1"/>
-          </p:cNvSpPr>
-          <p:nvPr>
-            <p:ph idx="1"/>
-          </p:nvPr>
-        </p:nvSpPr>
-        <p:spPr/>
-        <p:txBody>
-          <a:bodyPr/>
-          <a:lstStyle/>
-          <a:p>
-            <a:r>
-              <a:rPr lang="en-US" dirty="0" smtClean="0"/>
-              <a:t>StructureMap documentation</a:t>
-            </a:r>
-          </a:p>
-          <a:p>
-            <a:r>
-              <a:rPr lang="en-US" dirty="0" smtClean="0"/>
-              <a:t>Autofac documentation</a:t>
-            </a:r>
-          </a:p>
-          <a:p>
-            <a:r>
-              <a:rPr lang="en-US" dirty="0" smtClean="0"/>
-              <a:t>Jeremy Miller</a:t>
-            </a:r>
-          </a:p>
-          <a:p>
-            <a:r>
-              <a:rPr lang="en-US" dirty="0" smtClean="0"/>
-              <a:t>Tool-specific mailing lists</a:t>
-            </a:r>
-          </a:p>
-        </p:txBody>
-      </p:sp>
-    </p:spTree>
-  </p:cSld>
-  <p:clrMapOvr>
-    <a:masterClrMapping/>
-  </p:clrMapOvr>
-  <p:timing>
-    <p:tnLst>
-      <p:par>
-        <p:cTn id="1" dur="indefinite" restart="never" nodeType="tmRoot"/>
-      </p:par>
-    </p:tnLst>
-  </p:timing>
-</p:sld>
-</file>
-
-<file path=ppt/slides/slide24.xml><?xml version="1.0" encoding="utf-8"?>
 <p:sld xmlns:a="http://schemas.openxmlformats.org/drawingml/2006/main" xmlns:r="http://schemas.openxmlformats.org/officeDocument/2006/relationships" xmlns:p="http://schemas.openxmlformats.org/presentationml/2006/main">
   <p:cSld>
     <p:bg>
@@ -6473,49 +6267,17 @@
                   <a:srgbClr val="FFB64B"/>
                 </a:solidFill>
               </a:rPr>
-              <a:t>Next course: June 10-12, 2009 (</a:t>
-            </a:r>
+              <a:t>Next course: June 10-12, 2009 (W, Th, F)</a:t>
+            </a:r>
+          </a:p>
+          <a:p>
             <a:r>
               <a:rPr lang="en-US" sz="3600" dirty="0" smtClean="0">
                 <a:solidFill>
                   <a:srgbClr val="FFB64B"/>
                 </a:solidFill>
               </a:rPr>
-              <a:t>W, Th, </a:t>
-            </a:r>
-            <a:r>
-              <a:rPr lang="en-US" sz="3600" dirty="0" smtClean="0">
-                <a:solidFill>
-                  <a:srgbClr val="FFB64B"/>
-                </a:solidFill>
-              </a:rPr>
-              <a:t>F)</a:t>
-            </a:r>
-          </a:p>
-          <a:p>
-            <a:r>
-              <a:rPr lang="en-US" sz="3600" dirty="0" smtClean="0">
-                <a:solidFill>
-                  <a:srgbClr val="FFB64B"/>
-                </a:solidFill>
-              </a:rPr>
-              <a:t>25</a:t>
-            </a:r>
-            <a:r>
-              <a:rPr lang="en-US" sz="3600" dirty="0" smtClean="0">
-                <a:solidFill>
-                  <a:srgbClr val="FFB64B"/>
-                </a:solidFill>
-              </a:rPr>
-              <a:t>% discount: call </a:t>
-            </a:r>
-            <a:r>
-              <a:rPr lang="en-US" sz="3600" dirty="0" smtClean="0">
-                <a:solidFill>
-                  <a:srgbClr val="FFB64B"/>
-                </a:solidFill>
-              </a:rPr>
-              <a:t>512-459-2260 and give Talisha discount code ‘</a:t>
+              <a:t>25% discount: call 512-459-2260 and give Talisha discount code ‘</a:t>
             </a:r>
             <a:r>
               <a:rPr lang="en-US" sz="3600" i="1" dirty="0" smtClean="0">
@@ -6563,18 +6325,18 @@
       </p:grpSpPr>
       <p:sp>
         <p:nvSpPr>
-          <p:cNvPr id="3" name="Content Placeholder 2"/>
-          <p:cNvSpPr>
-            <a:spLocks noGrp="1"/>
-          </p:cNvSpPr>
-          <p:nvPr>
-            <p:ph idx="1"/>
+          <p:cNvPr id="2" name="Title 1"/>
+          <p:cNvSpPr>
+            <a:spLocks noGrp="1"/>
+          </p:cNvSpPr>
+          <p:nvPr>
+            <p:ph type="ctrTitle"/>
           </p:nvPr>
         </p:nvSpPr>
         <p:spPr>
           <a:xfrm>
-            <a:off x="3238500" y="0"/>
-            <a:ext cx="2667000" cy="6858000"/>
+            <a:off x="685800" y="2693988"/>
+            <a:ext cx="7772400" cy="1470025"/>
           </a:xfrm>
         </p:spPr>
         <p:txBody>
@@ -6583,14 +6345,21 @@
           </a:bodyPr>
           <a:lstStyle/>
           <a:p>
-            <a:pPr>
-              <a:buNone/>
-            </a:pPr>
-            <a:r>
-              <a:rPr lang="en-US" sz="40000" dirty="0" smtClean="0"/>
-              <a:t>?</a:t>
-            </a:r>
-            <a:endParaRPr lang="en-US" sz="40000" dirty="0"/>
+            <a:r>
+              <a:rPr lang="en-US" sz="9600" dirty="0" smtClean="0">
+                <a:solidFill>
+                  <a:srgbClr val="002060"/>
+                </a:solidFill>
+                <a:latin typeface="Consolas" pitchFamily="49" charset="0"/>
+              </a:rPr>
+              <a:t>EmailSender</a:t>
+            </a:r>
+            <a:endParaRPr lang="en-US" sz="9600" dirty="0">
+              <a:solidFill>
+                <a:srgbClr val="002060"/>
+              </a:solidFill>
+              <a:latin typeface="Consolas" pitchFamily="49" charset="0"/>
+            </a:endParaRPr>
           </a:p>
         </p:txBody>
       </p:sp>
@@ -6649,15 +6418,15 @@
           <a:lstStyle/>
           <a:p>
             <a:r>
-              <a:rPr lang="en-US" sz="9600" dirty="0" smtClean="0">
+              <a:rPr lang="en-US" sz="7200" dirty="0" smtClean="0">
                 <a:solidFill>
                   <a:srgbClr val="002060"/>
                 </a:solidFill>
                 <a:latin typeface="Consolas" pitchFamily="49" charset="0"/>
               </a:rPr>
-              <a:t>EmailSender</a:t>
-            </a:r>
-            <a:endParaRPr lang="en-US" sz="9600" dirty="0">
+              <a:t>WorkflowStepper</a:t>
+            </a:r>
+            <a:endParaRPr lang="en-US" sz="7200" dirty="0">
               <a:solidFill>
                 <a:srgbClr val="002060"/>
               </a:solidFill>
@@ -6682,78 +6451,6 @@
 </file>
 
 <file path=ppt/slides/slide5.xml><?xml version="1.0" encoding="utf-8"?>
-<p:sld xmlns:a="http://schemas.openxmlformats.org/drawingml/2006/main" xmlns:r="http://schemas.openxmlformats.org/officeDocument/2006/relationships" xmlns:p="http://schemas.openxmlformats.org/presentationml/2006/main">
-  <p:cSld>
-    <p:spTree>
-      <p:nvGrpSpPr>
-        <p:cNvPr id="1" name=""/>
-        <p:cNvGrpSpPr/>
-        <p:nvPr/>
-      </p:nvGrpSpPr>
-      <p:grpSpPr>
-        <a:xfrm>
-          <a:off x="0" y="0"/>
-          <a:ext cx="0" cy="0"/>
-          <a:chOff x="0" y="0"/>
-          <a:chExt cx="0" cy="0"/>
-        </a:xfrm>
-      </p:grpSpPr>
-      <p:sp>
-        <p:nvSpPr>
-          <p:cNvPr id="2" name="Title 1"/>
-          <p:cNvSpPr>
-            <a:spLocks noGrp="1"/>
-          </p:cNvSpPr>
-          <p:nvPr>
-            <p:ph type="ctrTitle"/>
-          </p:nvPr>
-        </p:nvSpPr>
-        <p:spPr>
-          <a:xfrm>
-            <a:off x="685800" y="2693988"/>
-            <a:ext cx="7772400" cy="1470025"/>
-          </a:xfrm>
-        </p:spPr>
-        <p:txBody>
-          <a:bodyPr>
-            <a:noAutofit/>
-          </a:bodyPr>
-          <a:lstStyle/>
-          <a:p>
-            <a:r>
-              <a:rPr lang="en-US" sz="7200" dirty="0" smtClean="0">
-                <a:solidFill>
-                  <a:srgbClr val="002060"/>
-                </a:solidFill>
-                <a:latin typeface="Consolas" pitchFamily="49" charset="0"/>
-              </a:rPr>
-              <a:t>WorkflowStepper</a:t>
-            </a:r>
-            <a:endParaRPr lang="en-US" sz="7200" dirty="0">
-              <a:solidFill>
-                <a:srgbClr val="002060"/>
-              </a:solidFill>
-              <a:latin typeface="Consolas" pitchFamily="49" charset="0"/>
-            </a:endParaRPr>
-          </a:p>
-        </p:txBody>
-      </p:sp>
-    </p:spTree>
-  </p:cSld>
-  <p:clrMapOvr>
-    <a:masterClrMapping/>
-  </p:clrMapOvr>
-  <p:timing>
-    <p:tnLst>
-      <p:par>
-        <p:cTn id="1" dur="indefinite" restart="never" nodeType="tmRoot"/>
-      </p:par>
-    </p:tnLst>
-  </p:timing>
-</p:sld>
-</file>
-
-<file path=ppt/slides/slide6.xml><?xml version="1.0" encoding="utf-8"?>
 <p:sld xmlns:a="http://schemas.openxmlformats.org/drawingml/2006/main" xmlns:r="http://schemas.openxmlformats.org/officeDocument/2006/relationships" xmlns:p="http://schemas.openxmlformats.org/presentationml/2006/main">
   <p:cSld>
     <p:spTree>
@@ -6818,7 +6515,7 @@
 </p:sld>
 </file>
 
-<file path=ppt/slides/slide7.xml><?xml version="1.0" encoding="utf-8"?>
+<file path=ppt/slides/slide6.xml><?xml version="1.0" encoding="utf-8"?>
 <p:sld xmlns:a="http://schemas.openxmlformats.org/drawingml/2006/main" xmlns:r="http://schemas.openxmlformats.org/officeDocument/2006/relationships" xmlns:p="http://schemas.openxmlformats.org/presentationml/2006/main">
   <p:cSld>
     <p:spTree>
@@ -6883,6 +6580,78 @@
 </p:sld>
 </file>
 
+<file path=ppt/slides/slide7.xml><?xml version="1.0" encoding="utf-8"?>
+<p:sld xmlns:a="http://schemas.openxmlformats.org/drawingml/2006/main" xmlns:r="http://schemas.openxmlformats.org/officeDocument/2006/relationships" xmlns:p="http://schemas.openxmlformats.org/presentationml/2006/main">
+  <p:cSld>
+    <p:spTree>
+      <p:nvGrpSpPr>
+        <p:cNvPr id="1" name=""/>
+        <p:cNvGrpSpPr/>
+        <p:nvPr/>
+      </p:nvGrpSpPr>
+      <p:grpSpPr>
+        <a:xfrm>
+          <a:off x="0" y="0"/>
+          <a:ext cx="0" cy="0"/>
+          <a:chOff x="0" y="0"/>
+          <a:chExt cx="0" cy="0"/>
+        </a:xfrm>
+      </p:grpSpPr>
+      <p:sp>
+        <p:nvSpPr>
+          <p:cNvPr id="2" name="Title 1"/>
+          <p:cNvSpPr>
+            <a:spLocks noGrp="1"/>
+          </p:cNvSpPr>
+          <p:nvPr>
+            <p:ph type="ctrTitle"/>
+          </p:nvPr>
+        </p:nvSpPr>
+        <p:spPr>
+          <a:xfrm>
+            <a:off x="685800" y="2693988"/>
+            <a:ext cx="7772400" cy="1470025"/>
+          </a:xfrm>
+        </p:spPr>
+        <p:txBody>
+          <a:bodyPr>
+            <a:normAutofit fontScale="90000"/>
+          </a:bodyPr>
+          <a:lstStyle/>
+          <a:p>
+            <a:r>
+              <a:rPr lang="en-US" sz="28800" dirty="0" smtClean="0">
+                <a:solidFill>
+                  <a:srgbClr val="0033CC"/>
+                </a:solidFill>
+                <a:latin typeface="Consolas" pitchFamily="49" charset="0"/>
+              </a:rPr>
+              <a:t>new</a:t>
+            </a:r>
+            <a:endParaRPr lang="en-US" sz="20000" dirty="0">
+              <a:solidFill>
+                <a:srgbClr val="0033CC"/>
+              </a:solidFill>
+              <a:latin typeface="Consolas" pitchFamily="49" charset="0"/>
+            </a:endParaRPr>
+          </a:p>
+        </p:txBody>
+      </p:sp>
+    </p:spTree>
+  </p:cSld>
+  <p:clrMapOvr>
+    <a:masterClrMapping/>
+  </p:clrMapOvr>
+  <p:timing>
+    <p:tnLst>
+      <p:par>
+        <p:cTn id="1" dur="indefinite" restart="never" nodeType="tmRoot"/>
+      </p:par>
+    </p:tnLst>
+  </p:timing>
+</p:sld>
+</file>
+
 <file path=ppt/slides/slide8.xml><?xml version="1.0" encoding="utf-8"?>
 <p:sld xmlns:a="http://schemas.openxmlformats.org/drawingml/2006/main" xmlns:r="http://schemas.openxmlformats.org/officeDocument/2006/relationships" xmlns:p="http://schemas.openxmlformats.org/presentationml/2006/main">
   <p:cSld>
@@ -6907,36 +6676,41 @@
             <a:spLocks noGrp="1"/>
           </p:cNvSpPr>
           <p:nvPr>
-            <p:ph type="ctrTitle"/>
+            <p:ph type="title"/>
           </p:nvPr>
         </p:nvSpPr>
         <p:spPr>
           <a:xfrm>
-            <a:off x="685800" y="2693988"/>
-            <a:ext cx="7772400" cy="1470025"/>
+            <a:off x="457200" y="2423319"/>
+            <a:ext cx="8229600" cy="2011362"/>
           </a:xfrm>
         </p:spPr>
         <p:txBody>
           <a:bodyPr>
-            <a:normAutofit fontScale="90000"/>
+            <a:noAutofit/>
           </a:bodyPr>
           <a:lstStyle/>
           <a:p>
             <a:r>
-              <a:rPr lang="en-US" sz="28800" dirty="0" smtClean="0">
-                <a:solidFill>
-                  <a:srgbClr val="0033CC"/>
-                </a:solidFill>
-                <a:latin typeface="Consolas" pitchFamily="49" charset="0"/>
-              </a:rPr>
-              <a:t>new</a:t>
-            </a:r>
-            <a:endParaRPr lang="en-US" sz="20000" dirty="0">
-              <a:solidFill>
-                <a:srgbClr val="0033CC"/>
-              </a:solidFill>
-              <a:latin typeface="Consolas" pitchFamily="49" charset="0"/>
-            </a:endParaRPr>
+              <a:rPr lang="en-US" sz="8000" dirty="0" smtClean="0"/>
+              <a:t>Relationship is </a:t>
+            </a:r>
+            <a:r>
+              <a:rPr lang="en-US" sz="8000" u="sng" dirty="0" smtClean="0"/>
+              <a:t>set</a:t>
+            </a:r>
+            <a:r>
+              <a:rPr lang="en-US" sz="8000" dirty="0" smtClean="0"/>
+              <a:t/>
+            </a:r>
+            <a:br>
+              <a:rPr lang="en-US" sz="8000" dirty="0" smtClean="0"/>
+            </a:br>
+            <a:r>
+              <a:rPr lang="en-US" sz="8000" dirty="0" smtClean="0"/>
+              <a:t>at compile time.</a:t>
+            </a:r>
+            <a:endParaRPr lang="en-US" sz="8000" dirty="0"/>
           </a:p>
         </p:txBody>
       </p:sp>
@@ -6995,25 +6769,16 @@
           <a:lstStyle/>
           <a:p>
             <a:r>
-              <a:rPr lang="en-US" sz="8000" dirty="0" smtClean="0"/>
-              <a:t>Relationship is </a:t>
-            </a:r>
-            <a:r>
-              <a:rPr lang="en-US" sz="8000" u="sng" dirty="0" smtClean="0"/>
-              <a:t>set</a:t>
-            </a:r>
-            <a:r>
-              <a:rPr lang="en-US" sz="8000" dirty="0" smtClean="0"/>
-              <a:t/>
-            </a:r>
-            <a:br>
-              <a:rPr lang="en-US" sz="8000" dirty="0" smtClean="0"/>
-            </a:br>
-            <a:r>
-              <a:rPr lang="en-US" sz="8000" dirty="0" smtClean="0"/>
-              <a:t>at compile time.</a:t>
-            </a:r>
-            <a:endParaRPr lang="en-US" sz="8000" dirty="0"/>
+              <a:rPr lang="en-US" sz="6600" dirty="0" smtClean="0">
+                <a:latin typeface="Consolas" pitchFamily="49" charset="0"/>
+              </a:rPr>
+              <a:t>new</a:t>
+            </a:r>
+            <a:r>
+              <a:rPr lang="en-US" sz="6600" dirty="0" smtClean="0"/>
+              <a:t> isn’t always viable.</a:t>
+            </a:r>
+            <a:endParaRPr lang="en-US" sz="6600" dirty="0"/>
           </a:p>
         </p:txBody>
       </p:sp>

--- a/Practical Inversion Of Control.pptx
+++ b/Practical Inversion Of Control.pptx
@@ -6206,7 +6206,12 @@
             <p:ph type="title"/>
           </p:nvPr>
         </p:nvSpPr>
-        <p:spPr/>
+        <p:spPr>
+          <a:xfrm>
+            <a:off x="457200" y="1447800"/>
+            <a:ext cx="8229600" cy="1143000"/>
+          </a:xfrm>
+        </p:spPr>
         <p:txBody>
           <a:bodyPr>
             <a:normAutofit/>
@@ -6241,8 +6246,8 @@
         </p:nvSpPr>
         <p:spPr>
           <a:xfrm>
-            <a:off x="457200" y="1905000"/>
-            <a:ext cx="8229600" cy="3124199"/>
+            <a:off x="762000" y="2849562"/>
+            <a:ext cx="7620000" cy="838200"/>
           </a:xfrm>
         </p:spPr>
         <p:txBody>
@@ -6251,50 +6256,30 @@
           </a:bodyPr>
           <a:lstStyle/>
           <a:p>
+            <a:pPr>
+              <a:buNone/>
+            </a:pPr>
             <a:r>
               <a:rPr lang="en-US" sz="3600" u="sng" dirty="0" smtClean="0">
                 <a:solidFill>
                   <a:srgbClr val="FFB64B"/>
                 </a:solidFill>
               </a:rPr>
-              <a:t>http://headspringsystems.com/training</a:t>
-            </a:r>
-          </a:p>
-          <a:p>
-            <a:r>
-              <a:rPr lang="en-US" sz="3600" dirty="0" smtClean="0">
+              <a:t>http://</a:t>
+            </a:r>
+            <a:r>
+              <a:rPr lang="en-US" sz="3600" u="sng" dirty="0" smtClean="0">
                 <a:solidFill>
                   <a:srgbClr val="FFB64B"/>
                 </a:solidFill>
               </a:rPr>
-              <a:t>Next course: June 10-12, 2009 (W, Th, F)</a:t>
-            </a:r>
-          </a:p>
-          <a:p>
-            <a:r>
-              <a:rPr lang="en-US" sz="3600" dirty="0" smtClean="0">
-                <a:solidFill>
-                  <a:srgbClr val="FFB64B"/>
-                </a:solidFill>
-              </a:rPr>
-              <a:t>25% discount: call 512-459-2260 and give Talisha discount code ‘</a:t>
-            </a:r>
-            <a:r>
-              <a:rPr lang="en-US" sz="3600" i="1" dirty="0" smtClean="0">
-                <a:solidFill>
-                  <a:srgbClr val="FFB64B"/>
-                </a:solidFill>
-              </a:rPr>
-              <a:t>Hinze</a:t>
-            </a:r>
-            <a:r>
-              <a:rPr lang="en-US" sz="3600" dirty="0" smtClean="0">
-                <a:solidFill>
-                  <a:srgbClr val="FFB64B"/>
-                </a:solidFill>
-              </a:rPr>
-              <a:t>’</a:t>
-            </a:r>
+              <a:t>headspringsystems.com/training</a:t>
+            </a:r>
+            <a:endParaRPr lang="en-US" sz="3600" u="sng" dirty="0" smtClean="0">
+              <a:solidFill>
+                <a:srgbClr val="FFB64B"/>
+              </a:solidFill>
+            </a:endParaRPr>
           </a:p>
         </p:txBody>
       </p:sp>
